--- a/shcematics.pptx
+++ b/shcematics.pptx
@@ -104,6 +104,11 @@
       </a:defRPr>
     </a:lvl9pPr>
   </p:defaultTextStyle>
+  <p:extLst>
+    <p:ext uri="{EFAFB233-063F-42B5-8137-9DF3F51BA10A}">
+      <p15:sldGuideLst xmlns:p15="http://schemas.microsoft.com/office/powerpoint/2012/main"/>
+    </p:ext>
+  </p:extLst>
 </p:presentation>
 </file>
 
@@ -238,7 +243,7 @@
           <a:p>
             <a:fld id="{47AEAA09-3D73-49B8-8EED-86725B19B008}" type="datetimeFigureOut">
               <a:rPr lang="en-CA" smtClean="0"/>
-              <a:t>2020-02-07</a:t>
+              <a:t>2020-02-23</a:t>
             </a:fld>
             <a:endParaRPr lang="en-CA"/>
           </a:p>
@@ -408,7 +413,7 @@
           <a:p>
             <a:fld id="{47AEAA09-3D73-49B8-8EED-86725B19B008}" type="datetimeFigureOut">
               <a:rPr lang="en-CA" smtClean="0"/>
-              <a:t>2020-02-07</a:t>
+              <a:t>2020-02-23</a:t>
             </a:fld>
             <a:endParaRPr lang="en-CA"/>
           </a:p>
@@ -588,7 +593,7 @@
           <a:p>
             <a:fld id="{47AEAA09-3D73-49B8-8EED-86725B19B008}" type="datetimeFigureOut">
               <a:rPr lang="en-CA" smtClean="0"/>
-              <a:t>2020-02-07</a:t>
+              <a:t>2020-02-23</a:t>
             </a:fld>
             <a:endParaRPr lang="en-CA"/>
           </a:p>
@@ -758,7 +763,7 @@
           <a:p>
             <a:fld id="{47AEAA09-3D73-49B8-8EED-86725B19B008}" type="datetimeFigureOut">
               <a:rPr lang="en-CA" smtClean="0"/>
-              <a:t>2020-02-07</a:t>
+              <a:t>2020-02-23</a:t>
             </a:fld>
             <a:endParaRPr lang="en-CA"/>
           </a:p>
@@ -1002,7 +1007,7 @@
           <a:p>
             <a:fld id="{47AEAA09-3D73-49B8-8EED-86725B19B008}" type="datetimeFigureOut">
               <a:rPr lang="en-CA" smtClean="0"/>
-              <a:t>2020-02-07</a:t>
+              <a:t>2020-02-23</a:t>
             </a:fld>
             <a:endParaRPr lang="en-CA"/>
           </a:p>
@@ -1234,7 +1239,7 @@
           <a:p>
             <a:fld id="{47AEAA09-3D73-49B8-8EED-86725B19B008}" type="datetimeFigureOut">
               <a:rPr lang="en-CA" smtClean="0"/>
-              <a:t>2020-02-07</a:t>
+              <a:t>2020-02-23</a:t>
             </a:fld>
             <a:endParaRPr lang="en-CA"/>
           </a:p>
@@ -1601,7 +1606,7 @@
           <a:p>
             <a:fld id="{47AEAA09-3D73-49B8-8EED-86725B19B008}" type="datetimeFigureOut">
               <a:rPr lang="en-CA" smtClean="0"/>
-              <a:t>2020-02-07</a:t>
+              <a:t>2020-02-23</a:t>
             </a:fld>
             <a:endParaRPr lang="en-CA"/>
           </a:p>
@@ -1719,7 +1724,7 @@
           <a:p>
             <a:fld id="{47AEAA09-3D73-49B8-8EED-86725B19B008}" type="datetimeFigureOut">
               <a:rPr lang="en-CA" smtClean="0"/>
-              <a:t>2020-02-07</a:t>
+              <a:t>2020-02-23</a:t>
             </a:fld>
             <a:endParaRPr lang="en-CA"/>
           </a:p>
@@ -1814,7 +1819,7 @@
           <a:p>
             <a:fld id="{47AEAA09-3D73-49B8-8EED-86725B19B008}" type="datetimeFigureOut">
               <a:rPr lang="en-CA" smtClean="0"/>
-              <a:t>2020-02-07</a:t>
+              <a:t>2020-02-23</a:t>
             </a:fld>
             <a:endParaRPr lang="en-CA"/>
           </a:p>
@@ -2091,7 +2096,7 @@
           <a:p>
             <a:fld id="{47AEAA09-3D73-49B8-8EED-86725B19B008}" type="datetimeFigureOut">
               <a:rPr lang="en-CA" smtClean="0"/>
-              <a:t>2020-02-07</a:t>
+              <a:t>2020-02-23</a:t>
             </a:fld>
             <a:endParaRPr lang="en-CA"/>
           </a:p>
@@ -2348,7 +2353,7 @@
           <a:p>
             <a:fld id="{47AEAA09-3D73-49B8-8EED-86725B19B008}" type="datetimeFigureOut">
               <a:rPr lang="en-CA" smtClean="0"/>
-              <a:t>2020-02-07</a:t>
+              <a:t>2020-02-23</a:t>
             </a:fld>
             <a:endParaRPr lang="en-CA"/>
           </a:p>
@@ -2561,7 +2566,7 @@
           <a:p>
             <a:fld id="{47AEAA09-3D73-49B8-8EED-86725B19B008}" type="datetimeFigureOut">
               <a:rPr lang="en-CA" smtClean="0"/>
-              <a:t>2020-02-07</a:t>
+              <a:t>2020-02-23</a:t>
             </a:fld>
             <a:endParaRPr lang="en-CA"/>
           </a:p>
@@ -3421,7 +3426,7 @@
         </p:nvSpPr>
         <p:spPr>
           <a:xfrm>
-            <a:off x="5645815" y="9296609"/>
+            <a:off x="5645815" y="8054730"/>
             <a:ext cx="2459212" cy="1143000"/>
           </a:xfrm>
           <a:prstGeom prst="roundRect">
@@ -3451,7 +3456,7 @@
             <a:pPr algn="ctr"/>
             <a:r>
               <a:rPr lang="en-CA" dirty="0"/>
-              <a:t>/Torso</a:t>
+              <a:t>/Labels</a:t>
             </a:r>
           </a:p>
           <a:p>
@@ -3491,7 +3496,7 @@
         </p:nvSpPr>
         <p:spPr>
           <a:xfrm>
-            <a:off x="9961119" y="9346139"/>
+            <a:off x="9961119" y="8011662"/>
             <a:ext cx="2459212" cy="1143000"/>
           </a:xfrm>
           <a:prstGeom prst="roundRect">
@@ -3547,7 +3552,7 @@
         </p:nvSpPr>
         <p:spPr>
           <a:xfrm>
-            <a:off x="5619750" y="10893761"/>
+            <a:off x="5619750" y="9559284"/>
             <a:ext cx="2971800" cy="1298448"/>
           </a:xfrm>
           <a:prstGeom prst="snip1Rect">
@@ -3604,7 +3609,7 @@
         </p:nvSpPr>
         <p:spPr>
           <a:xfrm>
-            <a:off x="5619750" y="12599461"/>
+            <a:off x="5619750" y="11264984"/>
             <a:ext cx="2459212" cy="1143000"/>
           </a:xfrm>
           <a:prstGeom prst="roundRect">
@@ -3674,7 +3679,7 @@
         </p:nvSpPr>
         <p:spPr>
           <a:xfrm>
-            <a:off x="9448531" y="12496910"/>
+            <a:off x="9448531" y="11162433"/>
             <a:ext cx="2971800" cy="1298448"/>
           </a:xfrm>
           <a:prstGeom prst="snip1Rect">
@@ -3731,7 +3736,7 @@
         </p:nvSpPr>
         <p:spPr>
           <a:xfrm>
-            <a:off x="5619750" y="15793765"/>
+            <a:off x="5619750" y="14459288"/>
             <a:ext cx="2971800" cy="474935"/>
           </a:xfrm>
           <a:prstGeom prst="snip1Rect">
@@ -3781,7 +3786,7 @@
         </p:nvSpPr>
         <p:spPr>
           <a:xfrm>
-            <a:off x="9448531" y="15793765"/>
+            <a:off x="9448531" y="14459288"/>
             <a:ext cx="2971800" cy="474935"/>
           </a:xfrm>
           <a:prstGeom prst="snip1Rect">
@@ -3831,7 +3836,7 @@
         </p:nvSpPr>
         <p:spPr>
           <a:xfrm>
-            <a:off x="9961119" y="14223061"/>
+            <a:off x="9961119" y="12888584"/>
             <a:ext cx="2459212" cy="1143000"/>
           </a:xfrm>
           <a:prstGeom prst="roundRect">
@@ -3894,7 +3899,7 @@
         </p:nvSpPr>
         <p:spPr>
           <a:xfrm>
-            <a:off x="9961119" y="16633170"/>
+            <a:off x="9961119" y="15298693"/>
             <a:ext cx="2459212" cy="1143000"/>
           </a:xfrm>
           <a:prstGeom prst="roundRect">
@@ -3957,7 +3962,7 @@
         </p:nvSpPr>
         <p:spPr>
           <a:xfrm>
-            <a:off x="5645815" y="16633170"/>
+            <a:off x="5645815" y="15298693"/>
             <a:ext cx="2459212" cy="1143000"/>
           </a:xfrm>
           <a:prstGeom prst="roundRect">
@@ -4020,8 +4025,8 @@
         </p:nvSpPr>
         <p:spPr>
           <a:xfrm>
-            <a:off x="5645815" y="18056770"/>
-            <a:ext cx="2971800" cy="1298448"/>
+            <a:off x="5645815" y="16722293"/>
+            <a:ext cx="2971800" cy="1436370"/>
           </a:xfrm>
           <a:prstGeom prst="snip1Rect">
             <a:avLst/>
@@ -4058,7 +4063,7 @@
             <a:pPr algn="ctr"/>
             <a:r>
               <a:rPr lang="en-CA" dirty="0"/>
-              <a:t>Get minimum window size to include all segmentations</a:t>
+              <a:t>From reference patient get minimum window size (+10%) to include all desired segmentations</a:t>
             </a:r>
           </a:p>
         </p:txBody>
@@ -4077,8 +4082,8 @@
         </p:nvSpPr>
         <p:spPr>
           <a:xfrm>
-            <a:off x="8329137" y="19546037"/>
-            <a:ext cx="1486169" cy="1143000"/>
+            <a:off x="9795850" y="16837818"/>
+            <a:ext cx="1970562" cy="1143000"/>
           </a:xfrm>
           <a:prstGeom prst="ellipse">
             <a:avLst/>
@@ -4107,17 +4112,21 @@
             <a:pPr algn="ctr"/>
             <a:r>
               <a:rPr lang="en-CA" dirty="0"/>
-              <a:t>Window Size</a:t>
-            </a:r>
-          </a:p>
-        </p:txBody>
-      </p:sp>
-      <p:sp>
-        <p:nvSpPr>
-          <p:cNvPr id="29" name="Rectangle: Single Corner Snipped 28">
-            <a:extLst>
-              <a:ext uri="{FF2B5EF4-FFF2-40B4-BE49-F238E27FC236}">
-                <a16:creationId xmlns:a16="http://schemas.microsoft.com/office/drawing/2014/main" id="{6096EE7F-6238-4E7B-8322-1A9670A89643}"/>
+              <a:t>Window Size </a:t>
+            </a:r>
+            <a:r>
+              <a:rPr lang="en-CA" b="1" u="sng" dirty="0"/>
+              <a:t>W</a:t>
+            </a:r>
+          </a:p>
+        </p:txBody>
+      </p:sp>
+      <p:sp>
+        <p:nvSpPr>
+          <p:cNvPr id="31" name="Rectangle: Rounded Corners 30">
+            <a:extLst>
+              <a:ext uri="{FF2B5EF4-FFF2-40B4-BE49-F238E27FC236}">
+                <a16:creationId xmlns:a16="http://schemas.microsoft.com/office/drawing/2014/main" id="{703E8CC4-9A06-4DBE-BB5F-D8F909761DE0}"/>
               </a:ext>
             </a:extLst>
           </p:cNvPr>
@@ -4126,8 +4135,76 @@
         </p:nvSpPr>
         <p:spPr>
           <a:xfrm>
-            <a:off x="5645815" y="20879856"/>
-            <a:ext cx="2971800" cy="722844"/>
+            <a:off x="13364719" y="16880780"/>
+            <a:ext cx="2459212" cy="1143000"/>
+          </a:xfrm>
+          <a:prstGeom prst="roundRect">
+            <a:avLst/>
+          </a:prstGeom>
+        </p:spPr>
+        <p:style>
+          <a:lnRef idx="2">
+            <a:schemeClr val="accent1">
+              <a:shade val="50000"/>
+            </a:schemeClr>
+          </a:lnRef>
+          <a:fillRef idx="1">
+            <a:schemeClr val="accent1"/>
+          </a:fillRef>
+          <a:effectRef idx="0">
+            <a:schemeClr val="accent1"/>
+          </a:effectRef>
+          <a:fontRef idx="minor">
+            <a:schemeClr val="lt1"/>
+          </a:fontRef>
+        </p:style>
+        <p:txBody>
+          <a:bodyPr rtlCol="0" anchor="ctr"/>
+          <a:lstStyle/>
+          <a:p>
+            <a:pPr algn="ctr"/>
+            <a:r>
+              <a:rPr lang="en-CA" dirty="0"/>
+              <a:t>3D sift </a:t>
+            </a:r>
+            <a:r>
+              <a:rPr lang="en-CA" dirty="0" err="1"/>
+              <a:t>keypoints</a:t>
+            </a:r>
+            <a:endParaRPr lang="en-CA" dirty="0"/>
+          </a:p>
+          <a:p>
+            <a:pPr algn="ctr"/>
+            <a:r>
+              <a:rPr lang="en-CA" dirty="0"/>
+              <a:t>Pixel dimension:(1,1,1)</a:t>
+            </a:r>
+          </a:p>
+          <a:p>
+            <a:pPr algn="ctr"/>
+            <a:r>
+              <a:rPr lang="en-CA" dirty="0"/>
+              <a:t>Window size: full</a:t>
+            </a:r>
+          </a:p>
+        </p:txBody>
+      </p:sp>
+      <p:sp>
+        <p:nvSpPr>
+          <p:cNvPr id="32" name="Rectangle: Single Corner Snipped 31">
+            <a:extLst>
+              <a:ext uri="{FF2B5EF4-FFF2-40B4-BE49-F238E27FC236}">
+                <a16:creationId xmlns:a16="http://schemas.microsoft.com/office/drawing/2014/main" id="{CC016A15-D5B9-4268-AE27-84E4B5AC30E1}"/>
+              </a:ext>
+            </a:extLst>
+          </p:cNvPr>
+          <p:cNvSpPr/>
+          <p:nvPr/>
+        </p:nvSpPr>
+        <p:spPr>
+          <a:xfrm>
+            <a:off x="13458209" y="18328005"/>
+            <a:ext cx="2335872" cy="1523601"/>
           </a:xfrm>
           <a:prstGeom prst="snip1Rect">
             <a:avLst/>
@@ -4155,25 +4232,46 @@
           <a:p>
             <a:pPr algn="ctr"/>
             <a:r>
-              <a:rPr lang="en-CA" i="1" dirty="0"/>
-              <a:t>Crop</a:t>
-            </a:r>
+              <a:rPr lang="en-CA" i="1" dirty="0" err="1"/>
+              <a:t>FilterKeypoints</a:t>
+            </a:r>
+            <a:endParaRPr lang="en-CA" i="1" dirty="0"/>
           </a:p>
           <a:p>
             <a:pPr algn="ctr"/>
             <a:r>
               <a:rPr lang="en-CA" dirty="0"/>
-              <a:t>Crop image</a:t>
-            </a:r>
-          </a:p>
-        </p:txBody>
-      </p:sp>
-      <p:sp>
-        <p:nvSpPr>
-          <p:cNvPr id="30" name="Rectangle: Single Corner Snipped 29">
-            <a:extLst>
-              <a:ext uri="{FF2B5EF4-FFF2-40B4-BE49-F238E27FC236}">
-                <a16:creationId xmlns:a16="http://schemas.microsoft.com/office/drawing/2014/main" id="{7C3E1424-87B4-4961-8AAA-8271365E1F09}"/>
+              <a:t>Filter </a:t>
+            </a:r>
+            <a:r>
+              <a:rPr lang="en-CA" dirty="0" err="1"/>
+              <a:t>keypoints</a:t>
+            </a:r>
+            <a:r>
+              <a:rPr lang="en-CA" dirty="0"/>
+              <a:t> from reference patients to only keep </a:t>
+            </a:r>
+            <a:r>
+              <a:rPr lang="en-CA" dirty="0" err="1"/>
+              <a:t>keypoints</a:t>
+            </a:r>
+            <a:r>
+              <a:rPr lang="en-CA" dirty="0"/>
+              <a:t> on desired organs</a:t>
+            </a:r>
+          </a:p>
+          <a:p>
+            <a:pPr algn="ctr"/>
+            <a:endParaRPr lang="en-CA" i="1" dirty="0"/>
+          </a:p>
+        </p:txBody>
+      </p:sp>
+      <p:sp>
+        <p:nvSpPr>
+          <p:cNvPr id="35" name="Rectangle: Single Corner Snipped 34">
+            <a:extLst>
+              <a:ext uri="{FF2B5EF4-FFF2-40B4-BE49-F238E27FC236}">
+                <a16:creationId xmlns:a16="http://schemas.microsoft.com/office/drawing/2014/main" id="{AAA0AC34-67E8-4DFD-BD14-C0C27E6EF9B9}"/>
               </a:ext>
             </a:extLst>
           </p:cNvPr>
@@ -4182,8 +4280,8 @@
         </p:nvSpPr>
         <p:spPr>
           <a:xfrm>
-            <a:off x="9448531" y="20879856"/>
-            <a:ext cx="2971800" cy="722844"/>
+            <a:off x="5619750" y="26030535"/>
+            <a:ext cx="2971800" cy="403349"/>
           </a:xfrm>
           <a:prstGeom prst="snip1Rect">
             <a:avLst/>
@@ -4211,25 +4309,430 @@
           <a:p>
             <a:pPr algn="ctr"/>
             <a:r>
-              <a:rPr lang="en-CA" i="1" dirty="0"/>
-              <a:t>Crop</a:t>
-            </a:r>
-          </a:p>
-          <a:p>
-            <a:pPr algn="ctr"/>
-            <a:r>
-              <a:rPr lang="en-CA" dirty="0"/>
-              <a:t>Crop image</a:t>
-            </a:r>
-          </a:p>
-        </p:txBody>
-      </p:sp>
-      <p:sp>
-        <p:nvSpPr>
-          <p:cNvPr id="31" name="Rectangle: Rounded Corners 30">
-            <a:extLst>
-              <a:ext uri="{FF2B5EF4-FFF2-40B4-BE49-F238E27FC236}">
-                <a16:creationId xmlns:a16="http://schemas.microsoft.com/office/drawing/2014/main" id="{703E8CC4-9A06-4DBE-BB5F-D8F909761DE0}"/>
+              <a:rPr lang="en-CA" i="1" dirty="0" err="1"/>
+              <a:t>StandardizeLabels</a:t>
+            </a:r>
+            <a:endParaRPr lang="en-CA" i="1" dirty="0"/>
+          </a:p>
+        </p:txBody>
+      </p:sp>
+      <p:cxnSp>
+        <p:nvCxnSpPr>
+          <p:cNvPr id="40" name="Straight Arrow Connector 39">
+            <a:extLst>
+              <a:ext uri="{FF2B5EF4-FFF2-40B4-BE49-F238E27FC236}">
+                <a16:creationId xmlns:a16="http://schemas.microsoft.com/office/drawing/2014/main" id="{2BB177D0-5ED4-4FE0-8E72-7499055C6A11}"/>
+              </a:ext>
+            </a:extLst>
+          </p:cNvPr>
+          <p:cNvCxnSpPr>
+            <a:stCxn id="15" idx="2"/>
+          </p:cNvCxnSpPr>
+          <p:nvPr/>
+        </p:nvCxnSpPr>
+        <p:spPr>
+          <a:xfrm>
+            <a:off x="6875421" y="9197730"/>
+            <a:ext cx="0" cy="454152"/>
+          </a:xfrm>
+          <a:prstGeom prst="straightConnector1">
+            <a:avLst/>
+          </a:prstGeom>
+          <a:ln>
+            <a:tailEnd type="triangle"/>
+          </a:ln>
+        </p:spPr>
+        <p:style>
+          <a:lnRef idx="1">
+            <a:schemeClr val="accent1"/>
+          </a:lnRef>
+          <a:fillRef idx="0">
+            <a:schemeClr val="accent1"/>
+          </a:fillRef>
+          <a:effectRef idx="0">
+            <a:schemeClr val="accent1"/>
+          </a:effectRef>
+          <a:fontRef idx="minor">
+            <a:schemeClr val="tx1"/>
+          </a:fontRef>
+        </p:style>
+      </p:cxnSp>
+      <p:cxnSp>
+        <p:nvCxnSpPr>
+          <p:cNvPr id="44" name="Straight Arrow Connector 43">
+            <a:extLst>
+              <a:ext uri="{FF2B5EF4-FFF2-40B4-BE49-F238E27FC236}">
+                <a16:creationId xmlns:a16="http://schemas.microsoft.com/office/drawing/2014/main" id="{54424B53-59A7-4C50-89BF-F450C3429DE4}"/>
+              </a:ext>
+            </a:extLst>
+          </p:cNvPr>
+          <p:cNvCxnSpPr>
+            <a:endCxn id="20" idx="0"/>
+          </p:cNvCxnSpPr>
+          <p:nvPr/>
+        </p:nvCxnSpPr>
+        <p:spPr>
+          <a:xfrm>
+            <a:off x="6849356" y="10857732"/>
+            <a:ext cx="0" cy="407252"/>
+          </a:xfrm>
+          <a:prstGeom prst="straightConnector1">
+            <a:avLst/>
+          </a:prstGeom>
+          <a:ln>
+            <a:tailEnd type="triangle"/>
+          </a:ln>
+        </p:spPr>
+        <p:style>
+          <a:lnRef idx="1">
+            <a:schemeClr val="accent1"/>
+          </a:lnRef>
+          <a:fillRef idx="0">
+            <a:schemeClr val="accent1"/>
+          </a:fillRef>
+          <a:effectRef idx="0">
+            <a:schemeClr val="accent1"/>
+          </a:effectRef>
+          <a:fontRef idx="minor">
+            <a:schemeClr val="tx1"/>
+          </a:fontRef>
+        </p:style>
+      </p:cxnSp>
+      <p:cxnSp>
+        <p:nvCxnSpPr>
+          <p:cNvPr id="48" name="Straight Arrow Connector 47">
+            <a:extLst>
+              <a:ext uri="{FF2B5EF4-FFF2-40B4-BE49-F238E27FC236}">
+                <a16:creationId xmlns:a16="http://schemas.microsoft.com/office/drawing/2014/main" id="{8FB107DE-BA1A-400E-89BB-CAB3E6C76788}"/>
+              </a:ext>
+            </a:extLst>
+          </p:cNvPr>
+          <p:cNvCxnSpPr>
+            <a:stCxn id="16" idx="2"/>
+          </p:cNvCxnSpPr>
+          <p:nvPr/>
+        </p:nvCxnSpPr>
+        <p:spPr>
+          <a:xfrm>
+            <a:off x="11190725" y="9154662"/>
+            <a:ext cx="0" cy="2007771"/>
+          </a:xfrm>
+          <a:prstGeom prst="straightConnector1">
+            <a:avLst/>
+          </a:prstGeom>
+          <a:ln>
+            <a:tailEnd type="triangle"/>
+          </a:ln>
+        </p:spPr>
+        <p:style>
+          <a:lnRef idx="1">
+            <a:schemeClr val="accent1"/>
+          </a:lnRef>
+          <a:fillRef idx="0">
+            <a:schemeClr val="accent1"/>
+          </a:fillRef>
+          <a:effectRef idx="0">
+            <a:schemeClr val="accent1"/>
+          </a:effectRef>
+          <a:fontRef idx="minor">
+            <a:schemeClr val="tx1"/>
+          </a:fontRef>
+        </p:style>
+      </p:cxnSp>
+      <p:cxnSp>
+        <p:nvCxnSpPr>
+          <p:cNvPr id="50" name="Straight Arrow Connector 49">
+            <a:extLst>
+              <a:ext uri="{FF2B5EF4-FFF2-40B4-BE49-F238E27FC236}">
+                <a16:creationId xmlns:a16="http://schemas.microsoft.com/office/drawing/2014/main" id="{0EC8BE65-3F87-4664-9F71-AAA533711BE9}"/>
+              </a:ext>
+            </a:extLst>
+          </p:cNvPr>
+          <p:cNvCxnSpPr>
+            <a:endCxn id="24" idx="0"/>
+          </p:cNvCxnSpPr>
+          <p:nvPr/>
+        </p:nvCxnSpPr>
+        <p:spPr>
+          <a:xfrm>
+            <a:off x="11190725" y="12460881"/>
+            <a:ext cx="0" cy="427703"/>
+          </a:xfrm>
+          <a:prstGeom prst="straightConnector1">
+            <a:avLst/>
+          </a:prstGeom>
+          <a:ln>
+            <a:tailEnd type="triangle"/>
+          </a:ln>
+        </p:spPr>
+        <p:style>
+          <a:lnRef idx="1">
+            <a:schemeClr val="accent1"/>
+          </a:lnRef>
+          <a:fillRef idx="0">
+            <a:schemeClr val="accent1"/>
+          </a:fillRef>
+          <a:effectRef idx="0">
+            <a:schemeClr val="accent1"/>
+          </a:effectRef>
+          <a:fontRef idx="minor">
+            <a:schemeClr val="tx1"/>
+          </a:fontRef>
+        </p:style>
+      </p:cxnSp>
+      <p:cxnSp>
+        <p:nvCxnSpPr>
+          <p:cNvPr id="52" name="Straight Arrow Connector 51">
+            <a:extLst>
+              <a:ext uri="{FF2B5EF4-FFF2-40B4-BE49-F238E27FC236}">
+                <a16:creationId xmlns:a16="http://schemas.microsoft.com/office/drawing/2014/main" id="{D3A9B517-47AF-4309-B21A-0FD869F070EB}"/>
+              </a:ext>
+            </a:extLst>
+          </p:cNvPr>
+          <p:cNvCxnSpPr>
+            <a:stCxn id="20" idx="3"/>
+            <a:endCxn id="21" idx="2"/>
+          </p:cNvCxnSpPr>
+          <p:nvPr/>
+        </p:nvCxnSpPr>
+        <p:spPr>
+          <a:xfrm flipV="1">
+            <a:off x="8078962" y="11811657"/>
+            <a:ext cx="1369569" cy="24827"/>
+          </a:xfrm>
+          <a:prstGeom prst="straightConnector1">
+            <a:avLst/>
+          </a:prstGeom>
+          <a:ln>
+            <a:tailEnd type="triangle"/>
+          </a:ln>
+        </p:spPr>
+        <p:style>
+          <a:lnRef idx="1">
+            <a:schemeClr val="accent1"/>
+          </a:lnRef>
+          <a:fillRef idx="0">
+            <a:schemeClr val="accent1"/>
+          </a:fillRef>
+          <a:effectRef idx="0">
+            <a:schemeClr val="accent1"/>
+          </a:effectRef>
+          <a:fontRef idx="minor">
+            <a:schemeClr val="tx1"/>
+          </a:fontRef>
+        </p:style>
+      </p:cxnSp>
+      <p:cxnSp>
+        <p:nvCxnSpPr>
+          <p:cNvPr id="54" name="Straight Arrow Connector 53">
+            <a:extLst>
+              <a:ext uri="{FF2B5EF4-FFF2-40B4-BE49-F238E27FC236}">
+                <a16:creationId xmlns:a16="http://schemas.microsoft.com/office/drawing/2014/main" id="{1ED0712E-FC77-41DC-A9F9-FD16ACE8B09B}"/>
+              </a:ext>
+            </a:extLst>
+          </p:cNvPr>
+          <p:cNvCxnSpPr>
+            <a:stCxn id="20" idx="2"/>
+          </p:cNvCxnSpPr>
+          <p:nvPr/>
+        </p:nvCxnSpPr>
+        <p:spPr>
+          <a:xfrm>
+            <a:off x="6849356" y="12407984"/>
+            <a:ext cx="0" cy="2060668"/>
+          </a:xfrm>
+          <a:prstGeom prst="straightConnector1">
+            <a:avLst/>
+          </a:prstGeom>
+          <a:ln>
+            <a:tailEnd type="triangle"/>
+          </a:ln>
+        </p:spPr>
+        <p:style>
+          <a:lnRef idx="1">
+            <a:schemeClr val="accent1"/>
+          </a:lnRef>
+          <a:fillRef idx="0">
+            <a:schemeClr val="accent1"/>
+          </a:fillRef>
+          <a:effectRef idx="0">
+            <a:schemeClr val="accent1"/>
+          </a:effectRef>
+          <a:fontRef idx="minor">
+            <a:schemeClr val="tx1"/>
+          </a:fontRef>
+        </p:style>
+      </p:cxnSp>
+      <p:cxnSp>
+        <p:nvCxnSpPr>
+          <p:cNvPr id="56" name="Straight Arrow Connector 55">
+            <a:extLst>
+              <a:ext uri="{FF2B5EF4-FFF2-40B4-BE49-F238E27FC236}">
+                <a16:creationId xmlns:a16="http://schemas.microsoft.com/office/drawing/2014/main" id="{B3229B80-21F0-400F-9619-EC0354C32325}"/>
+              </a:ext>
+            </a:extLst>
+          </p:cNvPr>
+          <p:cNvCxnSpPr>
+            <a:stCxn id="24" idx="2"/>
+          </p:cNvCxnSpPr>
+          <p:nvPr/>
+        </p:nvCxnSpPr>
+        <p:spPr>
+          <a:xfrm>
+            <a:off x="11190725" y="14031584"/>
+            <a:ext cx="0" cy="427704"/>
+          </a:xfrm>
+          <a:prstGeom prst="straightConnector1">
+            <a:avLst/>
+          </a:prstGeom>
+          <a:ln>
+            <a:tailEnd type="triangle"/>
+          </a:ln>
+        </p:spPr>
+        <p:style>
+          <a:lnRef idx="1">
+            <a:schemeClr val="accent1"/>
+          </a:lnRef>
+          <a:fillRef idx="0">
+            <a:schemeClr val="accent1"/>
+          </a:fillRef>
+          <a:effectRef idx="0">
+            <a:schemeClr val="accent1"/>
+          </a:effectRef>
+          <a:fontRef idx="minor">
+            <a:schemeClr val="tx1"/>
+          </a:fontRef>
+        </p:style>
+      </p:cxnSp>
+      <p:cxnSp>
+        <p:nvCxnSpPr>
+          <p:cNvPr id="60" name="Straight Arrow Connector 59">
+            <a:extLst>
+              <a:ext uri="{FF2B5EF4-FFF2-40B4-BE49-F238E27FC236}">
+                <a16:creationId xmlns:a16="http://schemas.microsoft.com/office/drawing/2014/main" id="{08D7ED66-DC62-4200-B829-E6D21AF97EE2}"/>
+              </a:ext>
+            </a:extLst>
+          </p:cNvPr>
+          <p:cNvCxnSpPr>
+            <a:endCxn id="26" idx="0"/>
+          </p:cNvCxnSpPr>
+          <p:nvPr/>
+        </p:nvCxnSpPr>
+        <p:spPr>
+          <a:xfrm>
+            <a:off x="6875421" y="14934223"/>
+            <a:ext cx="0" cy="364470"/>
+          </a:xfrm>
+          <a:prstGeom prst="straightConnector1">
+            <a:avLst/>
+          </a:prstGeom>
+          <a:ln>
+            <a:tailEnd type="triangle"/>
+          </a:ln>
+        </p:spPr>
+        <p:style>
+          <a:lnRef idx="1">
+            <a:schemeClr val="accent1"/>
+          </a:lnRef>
+          <a:fillRef idx="0">
+            <a:schemeClr val="accent1"/>
+          </a:fillRef>
+          <a:effectRef idx="0">
+            <a:schemeClr val="accent1"/>
+          </a:effectRef>
+          <a:fontRef idx="minor">
+            <a:schemeClr val="tx1"/>
+          </a:fontRef>
+        </p:style>
+      </p:cxnSp>
+      <p:cxnSp>
+        <p:nvCxnSpPr>
+          <p:cNvPr id="62" name="Straight Arrow Connector 61">
+            <a:extLst>
+              <a:ext uri="{FF2B5EF4-FFF2-40B4-BE49-F238E27FC236}">
+                <a16:creationId xmlns:a16="http://schemas.microsoft.com/office/drawing/2014/main" id="{A54DD72B-4678-48E1-A15D-7A2ABEE91F49}"/>
+              </a:ext>
+            </a:extLst>
+          </p:cNvPr>
+          <p:cNvCxnSpPr>
+            <a:endCxn id="25" idx="0"/>
+          </p:cNvCxnSpPr>
+          <p:nvPr/>
+        </p:nvCxnSpPr>
+        <p:spPr>
+          <a:xfrm>
+            <a:off x="11190725" y="14934223"/>
+            <a:ext cx="0" cy="364470"/>
+          </a:xfrm>
+          <a:prstGeom prst="straightConnector1">
+            <a:avLst/>
+          </a:prstGeom>
+          <a:ln>
+            <a:tailEnd type="triangle"/>
+          </a:ln>
+        </p:spPr>
+        <p:style>
+          <a:lnRef idx="1">
+            <a:schemeClr val="accent1"/>
+          </a:lnRef>
+          <a:fillRef idx="0">
+            <a:schemeClr val="accent1"/>
+          </a:fillRef>
+          <a:effectRef idx="0">
+            <a:schemeClr val="accent1"/>
+          </a:effectRef>
+          <a:fontRef idx="minor">
+            <a:schemeClr val="tx1"/>
+          </a:fontRef>
+        </p:style>
+      </p:cxnSp>
+      <p:cxnSp>
+        <p:nvCxnSpPr>
+          <p:cNvPr id="64" name="Straight Arrow Connector 63">
+            <a:extLst>
+              <a:ext uri="{FF2B5EF4-FFF2-40B4-BE49-F238E27FC236}">
+                <a16:creationId xmlns:a16="http://schemas.microsoft.com/office/drawing/2014/main" id="{4536D292-B63A-4487-88D3-D4BEB2FC779D}"/>
+              </a:ext>
+            </a:extLst>
+          </p:cNvPr>
+          <p:cNvCxnSpPr>
+            <a:stCxn id="26" idx="2"/>
+          </p:cNvCxnSpPr>
+          <p:nvPr/>
+        </p:nvCxnSpPr>
+        <p:spPr>
+          <a:xfrm flipH="1">
+            <a:off x="6849356" y="16441693"/>
+            <a:ext cx="26065" cy="280600"/>
+          </a:xfrm>
+          <a:prstGeom prst="straightConnector1">
+            <a:avLst/>
+          </a:prstGeom>
+          <a:ln>
+            <a:tailEnd type="triangle"/>
+          </a:ln>
+        </p:spPr>
+        <p:style>
+          <a:lnRef idx="1">
+            <a:schemeClr val="accent1"/>
+          </a:lnRef>
+          <a:fillRef idx="0">
+            <a:schemeClr val="accent1"/>
+          </a:fillRef>
+          <a:effectRef idx="0">
+            <a:schemeClr val="accent1"/>
+          </a:effectRef>
+          <a:fontRef idx="minor">
+            <a:schemeClr val="tx1"/>
+          </a:fontRef>
+        </p:style>
+      </p:cxnSp>
+      <p:sp>
+        <p:nvSpPr>
+          <p:cNvPr id="91" name="Rectangle: Rounded Corners 90">
+            <a:extLst>
+              <a:ext uri="{FF2B5EF4-FFF2-40B4-BE49-F238E27FC236}">
+                <a16:creationId xmlns:a16="http://schemas.microsoft.com/office/drawing/2014/main" id="{1D4FDB63-CA50-4230-8E4B-72D73B0DDE11}"/>
               </a:ext>
             </a:extLst>
           </p:cNvPr>
@@ -4238,8 +4741,8 @@
         </p:nvSpPr>
         <p:spPr>
           <a:xfrm>
-            <a:off x="5645815" y="22045592"/>
-            <a:ext cx="2459212" cy="1143000"/>
+            <a:off x="9484837" y="21625648"/>
+            <a:ext cx="2971800" cy="1143000"/>
           </a:xfrm>
           <a:prstGeom prst="roundRect">
             <a:avLst/>
@@ -4268,7 +4771,7 @@
             <a:pPr algn="ctr"/>
             <a:r>
               <a:rPr lang="en-CA" dirty="0"/>
-              <a:t>Segmentations</a:t>
+              <a:t>Volumes</a:t>
             </a:r>
           </a:p>
           <a:p>
@@ -4282,24 +4785,17 @@
             <a:pPr algn="ctr"/>
             <a:r>
               <a:rPr lang="en-CA" dirty="0"/>
-              <a:t>Window size: cropped</a:t>
-            </a:r>
-          </a:p>
-          <a:p>
-            <a:pPr algn="ctr"/>
-            <a:r>
-              <a:rPr lang="en-CA" dirty="0"/>
-              <a:t>Labels:[0,58,86,237…]</a:t>
-            </a:r>
-          </a:p>
-        </p:txBody>
-      </p:sp>
-      <p:sp>
-        <p:nvSpPr>
-          <p:cNvPr id="32" name="Rectangle: Single Corner Snipped 31">
-            <a:extLst>
-              <a:ext uri="{FF2B5EF4-FFF2-40B4-BE49-F238E27FC236}">
-                <a16:creationId xmlns:a16="http://schemas.microsoft.com/office/drawing/2014/main" id="{CC016A15-D5B9-4268-AE27-84E4B5AC30E1}"/>
+              <a:t>Window translated and rotated</a:t>
+            </a:r>
+          </a:p>
+        </p:txBody>
+      </p:sp>
+      <p:sp>
+        <p:nvSpPr>
+          <p:cNvPr id="98" name="Rectangle 97">
+            <a:extLst>
+              <a:ext uri="{FF2B5EF4-FFF2-40B4-BE49-F238E27FC236}">
+                <a16:creationId xmlns:a16="http://schemas.microsoft.com/office/drawing/2014/main" id="{82C26CCA-5303-43AA-A2D4-0534B1909EDD}"/>
               </a:ext>
             </a:extLst>
           </p:cNvPr>
@@ -4307,1402 +4803,9 @@
           <p:nvPr/>
         </p:nvSpPr>
         <p:spPr>
-          <a:xfrm>
-            <a:off x="5645815" y="23469281"/>
-            <a:ext cx="2971800" cy="325643"/>
-          </a:xfrm>
-          <a:prstGeom prst="snip1Rect">
-            <a:avLst/>
-          </a:prstGeom>
-        </p:spPr>
-        <p:style>
-          <a:lnRef idx="2">
-            <a:schemeClr val="accent6">
-              <a:shade val="50000"/>
-            </a:schemeClr>
-          </a:lnRef>
-          <a:fillRef idx="1">
-            <a:schemeClr val="accent6"/>
-          </a:fillRef>
-          <a:effectRef idx="0">
-            <a:schemeClr val="accent6"/>
-          </a:effectRef>
-          <a:fontRef idx="minor">
-            <a:schemeClr val="lt1"/>
-          </a:fontRef>
-        </p:style>
-        <p:txBody>
-          <a:bodyPr rtlCol="0" anchor="ctr"/>
-          <a:lstStyle/>
-          <a:p>
-            <a:pPr algn="ctr"/>
-            <a:r>
-              <a:rPr lang="en-CA" i="1" dirty="0" err="1"/>
-              <a:t>StandardizeLabels</a:t>
-            </a:r>
-            <a:endParaRPr lang="en-CA" i="1" dirty="0"/>
-          </a:p>
-        </p:txBody>
-      </p:sp>
-      <p:sp>
-        <p:nvSpPr>
-          <p:cNvPr id="33" name="Rectangle: Rounded Corners 32">
-            <a:extLst>
-              <a:ext uri="{FF2B5EF4-FFF2-40B4-BE49-F238E27FC236}">
-                <a16:creationId xmlns:a16="http://schemas.microsoft.com/office/drawing/2014/main" id="{722A44D6-173E-4A99-AA90-1651BDC9604A}"/>
-              </a:ext>
-            </a:extLst>
-          </p:cNvPr>
-          <p:cNvSpPr/>
-          <p:nvPr/>
-        </p:nvSpPr>
-        <p:spPr>
-          <a:xfrm>
-            <a:off x="5645815" y="24170863"/>
-            <a:ext cx="2459212" cy="1143000"/>
-          </a:xfrm>
-          <a:prstGeom prst="roundRect">
-            <a:avLst/>
-          </a:prstGeom>
-        </p:spPr>
-        <p:style>
-          <a:lnRef idx="2">
-            <a:schemeClr val="accent1">
-              <a:shade val="50000"/>
-            </a:schemeClr>
-          </a:lnRef>
-          <a:fillRef idx="1">
-            <a:schemeClr val="accent1"/>
-          </a:fillRef>
-          <a:effectRef idx="0">
-            <a:schemeClr val="accent1"/>
-          </a:effectRef>
-          <a:fontRef idx="minor">
-            <a:schemeClr val="lt1"/>
-          </a:fontRef>
-        </p:style>
-        <p:txBody>
-          <a:bodyPr rtlCol="0" anchor="ctr"/>
-          <a:lstStyle/>
-          <a:p>
-            <a:pPr algn="ctr"/>
-            <a:r>
-              <a:rPr lang="en-CA" dirty="0"/>
-              <a:t>Segmentations</a:t>
-            </a:r>
-          </a:p>
-          <a:p>
-            <a:pPr algn="ctr"/>
-            <a:r>
-              <a:rPr lang="en-CA" dirty="0"/>
-              <a:t>Pixel dimension:(1,1,1)</a:t>
-            </a:r>
-          </a:p>
-          <a:p>
-            <a:pPr algn="ctr"/>
-            <a:r>
-              <a:rPr lang="en-CA" dirty="0"/>
-              <a:t>Window size: cropped</a:t>
-            </a:r>
-          </a:p>
-          <a:p>
-            <a:pPr algn="ctr"/>
-            <a:r>
-              <a:rPr lang="en-CA" dirty="0"/>
-              <a:t>Labels:[0,1,2,3…]</a:t>
-            </a:r>
-          </a:p>
-        </p:txBody>
-      </p:sp>
-      <p:sp>
-        <p:nvSpPr>
-          <p:cNvPr id="35" name="Rectangle: Single Corner Snipped 34">
-            <a:extLst>
-              <a:ext uri="{FF2B5EF4-FFF2-40B4-BE49-F238E27FC236}">
-                <a16:creationId xmlns:a16="http://schemas.microsoft.com/office/drawing/2014/main" id="{AAA0AC34-67E8-4DFD-BD14-C0C27E6EF9B9}"/>
-              </a:ext>
-            </a:extLst>
-          </p:cNvPr>
-          <p:cNvSpPr/>
-          <p:nvPr/>
-        </p:nvSpPr>
-        <p:spPr>
-          <a:xfrm>
-            <a:off x="5619750" y="25773691"/>
-            <a:ext cx="2971800" cy="596719"/>
-          </a:xfrm>
-          <a:prstGeom prst="snip1Rect">
-            <a:avLst/>
-          </a:prstGeom>
-        </p:spPr>
-        <p:style>
-          <a:lnRef idx="2">
-            <a:schemeClr val="accent6">
-              <a:shade val="50000"/>
-            </a:schemeClr>
-          </a:lnRef>
-          <a:fillRef idx="1">
-            <a:schemeClr val="accent6"/>
-          </a:fillRef>
-          <a:effectRef idx="0">
-            <a:schemeClr val="accent6"/>
-          </a:effectRef>
-          <a:fontRef idx="minor">
-            <a:schemeClr val="lt1"/>
-          </a:fontRef>
-        </p:style>
-        <p:txBody>
-          <a:bodyPr rtlCol="0" anchor="ctr"/>
-          <a:lstStyle/>
-          <a:p>
-            <a:pPr algn="ctr"/>
-            <a:r>
-              <a:rPr lang="en-CA" i="1" dirty="0" err="1"/>
-              <a:t>StandardizeLabels</a:t>
-            </a:r>
-            <a:endParaRPr lang="en-CA" i="1" dirty="0"/>
-          </a:p>
-          <a:p>
-            <a:pPr algn="ctr"/>
-            <a:r>
-              <a:rPr lang="en-CA" dirty="0"/>
-              <a:t>NN interpolation</a:t>
-            </a:r>
-          </a:p>
-        </p:txBody>
-      </p:sp>
-      <p:sp>
-        <p:nvSpPr>
-          <p:cNvPr id="36" name="Rectangle: Single Corner Snipped 35">
-            <a:extLst>
-              <a:ext uri="{FF2B5EF4-FFF2-40B4-BE49-F238E27FC236}">
-                <a16:creationId xmlns:a16="http://schemas.microsoft.com/office/drawing/2014/main" id="{D6928A10-B27A-43C9-BD11-0BA547E92415}"/>
-              </a:ext>
-            </a:extLst>
-          </p:cNvPr>
-          <p:cNvSpPr/>
-          <p:nvPr/>
-        </p:nvSpPr>
-        <p:spPr>
-          <a:xfrm>
-            <a:off x="9448531" y="25773691"/>
-            <a:ext cx="2971800" cy="596719"/>
-          </a:xfrm>
-          <a:prstGeom prst="snip1Rect">
-            <a:avLst/>
-          </a:prstGeom>
-        </p:spPr>
-        <p:style>
-          <a:lnRef idx="2">
-            <a:schemeClr val="accent6">
-              <a:shade val="50000"/>
-            </a:schemeClr>
-          </a:lnRef>
-          <a:fillRef idx="1">
-            <a:schemeClr val="accent6"/>
-          </a:fillRef>
-          <a:effectRef idx="0">
-            <a:schemeClr val="accent6"/>
-          </a:effectRef>
-          <a:fontRef idx="minor">
-            <a:schemeClr val="lt1"/>
-          </a:fontRef>
-        </p:style>
-        <p:txBody>
-          <a:bodyPr rtlCol="0" anchor="ctr"/>
-          <a:lstStyle/>
-          <a:p>
-            <a:pPr algn="ctr"/>
-            <a:r>
-              <a:rPr lang="en-CA" i="1" dirty="0" err="1"/>
-              <a:t>ZoomAllIm</a:t>
-            </a:r>
-            <a:endParaRPr lang="en-CA" i="1" dirty="0"/>
-          </a:p>
-          <a:p>
-            <a:pPr algn="ctr"/>
-            <a:r>
-              <a:rPr lang="en-CA" dirty="0"/>
-              <a:t>Spline Interpolation</a:t>
-            </a:r>
-          </a:p>
-        </p:txBody>
-      </p:sp>
-      <p:sp>
-        <p:nvSpPr>
-          <p:cNvPr id="37" name="Rectangle: Rounded Corners 36">
-            <a:extLst>
-              <a:ext uri="{FF2B5EF4-FFF2-40B4-BE49-F238E27FC236}">
-                <a16:creationId xmlns:a16="http://schemas.microsoft.com/office/drawing/2014/main" id="{93034796-7C12-4D8D-B8D5-BE3D4AE1384D}"/>
-              </a:ext>
-            </a:extLst>
-          </p:cNvPr>
-          <p:cNvSpPr/>
-          <p:nvPr/>
-        </p:nvSpPr>
-        <p:spPr>
-          <a:xfrm>
-            <a:off x="5619750" y="26721130"/>
-            <a:ext cx="2971800" cy="1143000"/>
-          </a:xfrm>
-          <a:prstGeom prst="roundRect">
-            <a:avLst/>
-          </a:prstGeom>
-        </p:spPr>
-        <p:style>
-          <a:lnRef idx="2">
-            <a:schemeClr val="accent1">
-              <a:shade val="50000"/>
-            </a:schemeClr>
-          </a:lnRef>
-          <a:fillRef idx="1">
-            <a:schemeClr val="accent1"/>
-          </a:fillRef>
-          <a:effectRef idx="0">
-            <a:schemeClr val="accent1"/>
-          </a:effectRef>
-          <a:fontRef idx="minor">
-            <a:schemeClr val="lt1"/>
-          </a:fontRef>
-        </p:style>
-        <p:txBody>
-          <a:bodyPr rtlCol="0" anchor="ctr"/>
-          <a:lstStyle/>
-          <a:p>
-            <a:pPr algn="ctr"/>
-            <a:r>
-              <a:rPr lang="en-CA" dirty="0"/>
-              <a:t>Segmentations</a:t>
-            </a:r>
-          </a:p>
-          <a:p>
-            <a:pPr algn="ctr"/>
-            <a:r>
-              <a:rPr lang="en-CA" dirty="0"/>
-              <a:t>Pixel dimension:(</a:t>
-            </a:r>
-            <a:r>
-              <a:rPr lang="en-CA" dirty="0" err="1"/>
-              <a:t>a,b,c</a:t>
-            </a:r>
-            <a:r>
-              <a:rPr lang="en-CA" dirty="0"/>
-              <a:t>)</a:t>
-            </a:r>
-          </a:p>
-          <a:p>
-            <a:pPr algn="ctr"/>
-            <a:r>
-              <a:rPr lang="en-CA" dirty="0"/>
-              <a:t>Window size: (120,120,120)</a:t>
-            </a:r>
-          </a:p>
-          <a:p>
-            <a:pPr algn="ctr"/>
-            <a:r>
-              <a:rPr lang="en-CA" dirty="0"/>
-              <a:t>Labels:[0,1,2,3…]</a:t>
-            </a:r>
-          </a:p>
-        </p:txBody>
-      </p:sp>
-      <p:sp>
-        <p:nvSpPr>
-          <p:cNvPr id="38" name="Rectangle: Rounded Corners 37">
-            <a:extLst>
-              <a:ext uri="{FF2B5EF4-FFF2-40B4-BE49-F238E27FC236}">
-                <a16:creationId xmlns:a16="http://schemas.microsoft.com/office/drawing/2014/main" id="{E1BA6A58-80B6-40DA-BF78-47A72E01EC5F}"/>
-              </a:ext>
-            </a:extLst>
-          </p:cNvPr>
-          <p:cNvSpPr/>
-          <p:nvPr/>
-        </p:nvSpPr>
-        <p:spPr>
-          <a:xfrm>
-            <a:off x="9448531" y="26766207"/>
-            <a:ext cx="2971800" cy="1143000"/>
-          </a:xfrm>
-          <a:prstGeom prst="roundRect">
-            <a:avLst/>
-          </a:prstGeom>
-        </p:spPr>
-        <p:style>
-          <a:lnRef idx="2">
-            <a:schemeClr val="accent1">
-              <a:shade val="50000"/>
-            </a:schemeClr>
-          </a:lnRef>
-          <a:fillRef idx="1">
-            <a:schemeClr val="accent1"/>
-          </a:fillRef>
-          <a:effectRef idx="0">
-            <a:schemeClr val="accent1"/>
-          </a:effectRef>
-          <a:fontRef idx="minor">
-            <a:schemeClr val="lt1"/>
-          </a:fontRef>
-        </p:style>
-        <p:txBody>
-          <a:bodyPr rtlCol="0" anchor="ctr"/>
-          <a:lstStyle/>
-          <a:p>
-            <a:pPr algn="ctr"/>
-            <a:r>
-              <a:rPr lang="en-CA" dirty="0"/>
-              <a:t>Volumes</a:t>
-            </a:r>
-          </a:p>
-          <a:p>
-            <a:pPr algn="ctr"/>
-            <a:r>
-              <a:rPr lang="en-CA" dirty="0"/>
-              <a:t>Pixel dimension:(</a:t>
-            </a:r>
-            <a:r>
-              <a:rPr lang="en-CA" dirty="0" err="1"/>
-              <a:t>a,b,c</a:t>
-            </a:r>
-            <a:r>
-              <a:rPr lang="en-CA" dirty="0"/>
-              <a:t>)</a:t>
-            </a:r>
-          </a:p>
-          <a:p>
-            <a:pPr algn="ctr"/>
-            <a:r>
-              <a:rPr lang="en-CA" dirty="0"/>
-              <a:t>Window size: (120,120,120)</a:t>
-            </a:r>
-          </a:p>
-        </p:txBody>
-      </p:sp>
-      <p:cxnSp>
-        <p:nvCxnSpPr>
-          <p:cNvPr id="40" name="Straight Arrow Connector 39">
-            <a:extLst>
-              <a:ext uri="{FF2B5EF4-FFF2-40B4-BE49-F238E27FC236}">
-                <a16:creationId xmlns:a16="http://schemas.microsoft.com/office/drawing/2014/main" id="{2BB177D0-5ED4-4FE0-8E72-7499055C6A11}"/>
-              </a:ext>
-            </a:extLst>
-          </p:cNvPr>
-          <p:cNvCxnSpPr>
-            <a:stCxn id="15" idx="2"/>
-          </p:cNvCxnSpPr>
-          <p:nvPr/>
-        </p:nvCxnSpPr>
-        <p:spPr>
-          <a:xfrm>
-            <a:off x="6875421" y="10439609"/>
-            <a:ext cx="0" cy="454152"/>
-          </a:xfrm>
-          <a:prstGeom prst="straightConnector1">
-            <a:avLst/>
-          </a:prstGeom>
-          <a:ln>
-            <a:tailEnd type="triangle"/>
-          </a:ln>
-        </p:spPr>
-        <p:style>
-          <a:lnRef idx="1">
-            <a:schemeClr val="accent1"/>
-          </a:lnRef>
-          <a:fillRef idx="0">
-            <a:schemeClr val="accent1"/>
-          </a:fillRef>
-          <a:effectRef idx="0">
-            <a:schemeClr val="accent1"/>
-          </a:effectRef>
-          <a:fontRef idx="minor">
-            <a:schemeClr val="tx1"/>
-          </a:fontRef>
-        </p:style>
-      </p:cxnSp>
-      <p:cxnSp>
-        <p:nvCxnSpPr>
-          <p:cNvPr id="44" name="Straight Arrow Connector 43">
-            <a:extLst>
-              <a:ext uri="{FF2B5EF4-FFF2-40B4-BE49-F238E27FC236}">
-                <a16:creationId xmlns:a16="http://schemas.microsoft.com/office/drawing/2014/main" id="{54424B53-59A7-4C50-89BF-F450C3429DE4}"/>
-              </a:ext>
-            </a:extLst>
-          </p:cNvPr>
-          <p:cNvCxnSpPr>
-            <a:endCxn id="20" idx="0"/>
-          </p:cNvCxnSpPr>
-          <p:nvPr/>
-        </p:nvCxnSpPr>
-        <p:spPr>
-          <a:xfrm>
-            <a:off x="6849356" y="12192209"/>
-            <a:ext cx="0" cy="407252"/>
-          </a:xfrm>
-          <a:prstGeom prst="straightConnector1">
-            <a:avLst/>
-          </a:prstGeom>
-          <a:ln>
-            <a:tailEnd type="triangle"/>
-          </a:ln>
-        </p:spPr>
-        <p:style>
-          <a:lnRef idx="1">
-            <a:schemeClr val="accent1"/>
-          </a:lnRef>
-          <a:fillRef idx="0">
-            <a:schemeClr val="accent1"/>
-          </a:fillRef>
-          <a:effectRef idx="0">
-            <a:schemeClr val="accent1"/>
-          </a:effectRef>
-          <a:fontRef idx="minor">
-            <a:schemeClr val="tx1"/>
-          </a:fontRef>
-        </p:style>
-      </p:cxnSp>
-      <p:cxnSp>
-        <p:nvCxnSpPr>
-          <p:cNvPr id="48" name="Straight Arrow Connector 47">
-            <a:extLst>
-              <a:ext uri="{FF2B5EF4-FFF2-40B4-BE49-F238E27FC236}">
-                <a16:creationId xmlns:a16="http://schemas.microsoft.com/office/drawing/2014/main" id="{8FB107DE-BA1A-400E-89BB-CAB3E6C76788}"/>
-              </a:ext>
-            </a:extLst>
-          </p:cNvPr>
-          <p:cNvCxnSpPr>
-            <a:stCxn id="16" idx="2"/>
-          </p:cNvCxnSpPr>
-          <p:nvPr/>
-        </p:nvCxnSpPr>
-        <p:spPr>
-          <a:xfrm>
-            <a:off x="11190725" y="10489139"/>
-            <a:ext cx="0" cy="2007771"/>
-          </a:xfrm>
-          <a:prstGeom prst="straightConnector1">
-            <a:avLst/>
-          </a:prstGeom>
-          <a:ln>
-            <a:tailEnd type="triangle"/>
-          </a:ln>
-        </p:spPr>
-        <p:style>
-          <a:lnRef idx="1">
-            <a:schemeClr val="accent1"/>
-          </a:lnRef>
-          <a:fillRef idx="0">
-            <a:schemeClr val="accent1"/>
-          </a:fillRef>
-          <a:effectRef idx="0">
-            <a:schemeClr val="accent1"/>
-          </a:effectRef>
-          <a:fontRef idx="minor">
-            <a:schemeClr val="tx1"/>
-          </a:fontRef>
-        </p:style>
-      </p:cxnSp>
-      <p:cxnSp>
-        <p:nvCxnSpPr>
-          <p:cNvPr id="50" name="Straight Arrow Connector 49">
-            <a:extLst>
-              <a:ext uri="{FF2B5EF4-FFF2-40B4-BE49-F238E27FC236}">
-                <a16:creationId xmlns:a16="http://schemas.microsoft.com/office/drawing/2014/main" id="{0EC8BE65-3F87-4664-9F71-AAA533711BE9}"/>
-              </a:ext>
-            </a:extLst>
-          </p:cNvPr>
-          <p:cNvCxnSpPr>
-            <a:endCxn id="24" idx="0"/>
-          </p:cNvCxnSpPr>
-          <p:nvPr/>
-        </p:nvCxnSpPr>
-        <p:spPr>
-          <a:xfrm>
-            <a:off x="11190725" y="13795358"/>
-            <a:ext cx="0" cy="427703"/>
-          </a:xfrm>
-          <a:prstGeom prst="straightConnector1">
-            <a:avLst/>
-          </a:prstGeom>
-          <a:ln>
-            <a:tailEnd type="triangle"/>
-          </a:ln>
-        </p:spPr>
-        <p:style>
-          <a:lnRef idx="1">
-            <a:schemeClr val="accent1"/>
-          </a:lnRef>
-          <a:fillRef idx="0">
-            <a:schemeClr val="accent1"/>
-          </a:fillRef>
-          <a:effectRef idx="0">
-            <a:schemeClr val="accent1"/>
-          </a:effectRef>
-          <a:fontRef idx="minor">
-            <a:schemeClr val="tx1"/>
-          </a:fontRef>
-        </p:style>
-      </p:cxnSp>
-      <p:cxnSp>
-        <p:nvCxnSpPr>
-          <p:cNvPr id="52" name="Straight Arrow Connector 51">
-            <a:extLst>
-              <a:ext uri="{FF2B5EF4-FFF2-40B4-BE49-F238E27FC236}">
-                <a16:creationId xmlns:a16="http://schemas.microsoft.com/office/drawing/2014/main" id="{D3A9B517-47AF-4309-B21A-0FD869F070EB}"/>
-              </a:ext>
-            </a:extLst>
-          </p:cNvPr>
-          <p:cNvCxnSpPr>
-            <a:stCxn id="20" idx="3"/>
-            <a:endCxn id="21" idx="2"/>
-          </p:cNvCxnSpPr>
-          <p:nvPr/>
-        </p:nvCxnSpPr>
-        <p:spPr>
-          <a:xfrm flipV="1">
-            <a:off x="8078962" y="13146134"/>
-            <a:ext cx="1369569" cy="24827"/>
-          </a:xfrm>
-          <a:prstGeom prst="straightConnector1">
-            <a:avLst/>
-          </a:prstGeom>
-          <a:ln>
-            <a:tailEnd type="triangle"/>
-          </a:ln>
-        </p:spPr>
-        <p:style>
-          <a:lnRef idx="1">
-            <a:schemeClr val="accent1"/>
-          </a:lnRef>
-          <a:fillRef idx="0">
-            <a:schemeClr val="accent1"/>
-          </a:fillRef>
-          <a:effectRef idx="0">
-            <a:schemeClr val="accent1"/>
-          </a:effectRef>
-          <a:fontRef idx="minor">
-            <a:schemeClr val="tx1"/>
-          </a:fontRef>
-        </p:style>
-      </p:cxnSp>
-      <p:cxnSp>
-        <p:nvCxnSpPr>
-          <p:cNvPr id="54" name="Straight Arrow Connector 53">
-            <a:extLst>
-              <a:ext uri="{FF2B5EF4-FFF2-40B4-BE49-F238E27FC236}">
-                <a16:creationId xmlns:a16="http://schemas.microsoft.com/office/drawing/2014/main" id="{1ED0712E-FC77-41DC-A9F9-FD16ACE8B09B}"/>
-              </a:ext>
-            </a:extLst>
-          </p:cNvPr>
-          <p:cNvCxnSpPr>
-            <a:stCxn id="20" idx="2"/>
-          </p:cNvCxnSpPr>
-          <p:nvPr/>
-        </p:nvCxnSpPr>
-        <p:spPr>
-          <a:xfrm>
-            <a:off x="6849356" y="13742461"/>
-            <a:ext cx="0" cy="2060668"/>
-          </a:xfrm>
-          <a:prstGeom prst="straightConnector1">
-            <a:avLst/>
-          </a:prstGeom>
-          <a:ln>
-            <a:tailEnd type="triangle"/>
-          </a:ln>
-        </p:spPr>
-        <p:style>
-          <a:lnRef idx="1">
-            <a:schemeClr val="accent1"/>
-          </a:lnRef>
-          <a:fillRef idx="0">
-            <a:schemeClr val="accent1"/>
-          </a:fillRef>
-          <a:effectRef idx="0">
-            <a:schemeClr val="accent1"/>
-          </a:effectRef>
-          <a:fontRef idx="minor">
-            <a:schemeClr val="tx1"/>
-          </a:fontRef>
-        </p:style>
-      </p:cxnSp>
-      <p:cxnSp>
-        <p:nvCxnSpPr>
-          <p:cNvPr id="56" name="Straight Arrow Connector 55">
-            <a:extLst>
-              <a:ext uri="{FF2B5EF4-FFF2-40B4-BE49-F238E27FC236}">
-                <a16:creationId xmlns:a16="http://schemas.microsoft.com/office/drawing/2014/main" id="{B3229B80-21F0-400F-9619-EC0354C32325}"/>
-              </a:ext>
-            </a:extLst>
-          </p:cNvPr>
-          <p:cNvCxnSpPr>
-            <a:stCxn id="24" idx="2"/>
-          </p:cNvCxnSpPr>
-          <p:nvPr/>
-        </p:nvCxnSpPr>
-        <p:spPr>
-          <a:xfrm>
-            <a:off x="11190725" y="15366061"/>
-            <a:ext cx="0" cy="427704"/>
-          </a:xfrm>
-          <a:prstGeom prst="straightConnector1">
-            <a:avLst/>
-          </a:prstGeom>
-          <a:ln>
-            <a:tailEnd type="triangle"/>
-          </a:ln>
-        </p:spPr>
-        <p:style>
-          <a:lnRef idx="1">
-            <a:schemeClr val="accent1"/>
-          </a:lnRef>
-          <a:fillRef idx="0">
-            <a:schemeClr val="accent1"/>
-          </a:fillRef>
-          <a:effectRef idx="0">
-            <a:schemeClr val="accent1"/>
-          </a:effectRef>
-          <a:fontRef idx="minor">
-            <a:schemeClr val="tx1"/>
-          </a:fontRef>
-        </p:style>
-      </p:cxnSp>
-      <p:cxnSp>
-        <p:nvCxnSpPr>
-          <p:cNvPr id="60" name="Straight Arrow Connector 59">
-            <a:extLst>
-              <a:ext uri="{FF2B5EF4-FFF2-40B4-BE49-F238E27FC236}">
-                <a16:creationId xmlns:a16="http://schemas.microsoft.com/office/drawing/2014/main" id="{08D7ED66-DC62-4200-B829-E6D21AF97EE2}"/>
-              </a:ext>
-            </a:extLst>
-          </p:cNvPr>
-          <p:cNvCxnSpPr>
-            <a:endCxn id="26" idx="0"/>
-          </p:cNvCxnSpPr>
-          <p:nvPr/>
-        </p:nvCxnSpPr>
-        <p:spPr>
-          <a:xfrm>
-            <a:off x="6875421" y="16268700"/>
-            <a:ext cx="0" cy="364470"/>
-          </a:xfrm>
-          <a:prstGeom prst="straightConnector1">
-            <a:avLst/>
-          </a:prstGeom>
-          <a:ln>
-            <a:tailEnd type="triangle"/>
-          </a:ln>
-        </p:spPr>
-        <p:style>
-          <a:lnRef idx="1">
-            <a:schemeClr val="accent1"/>
-          </a:lnRef>
-          <a:fillRef idx="0">
-            <a:schemeClr val="accent1"/>
-          </a:fillRef>
-          <a:effectRef idx="0">
-            <a:schemeClr val="accent1"/>
-          </a:effectRef>
-          <a:fontRef idx="minor">
-            <a:schemeClr val="tx1"/>
-          </a:fontRef>
-        </p:style>
-      </p:cxnSp>
-      <p:cxnSp>
-        <p:nvCxnSpPr>
-          <p:cNvPr id="62" name="Straight Arrow Connector 61">
-            <a:extLst>
-              <a:ext uri="{FF2B5EF4-FFF2-40B4-BE49-F238E27FC236}">
-                <a16:creationId xmlns:a16="http://schemas.microsoft.com/office/drawing/2014/main" id="{A54DD72B-4678-48E1-A15D-7A2ABEE91F49}"/>
-              </a:ext>
-            </a:extLst>
-          </p:cNvPr>
-          <p:cNvCxnSpPr>
-            <a:endCxn id="25" idx="0"/>
-          </p:cNvCxnSpPr>
-          <p:nvPr/>
-        </p:nvCxnSpPr>
-        <p:spPr>
-          <a:xfrm>
-            <a:off x="11190725" y="16268700"/>
-            <a:ext cx="0" cy="364470"/>
-          </a:xfrm>
-          <a:prstGeom prst="straightConnector1">
-            <a:avLst/>
-          </a:prstGeom>
-          <a:ln>
-            <a:tailEnd type="triangle"/>
-          </a:ln>
-        </p:spPr>
-        <p:style>
-          <a:lnRef idx="1">
-            <a:schemeClr val="accent1"/>
-          </a:lnRef>
-          <a:fillRef idx="0">
-            <a:schemeClr val="accent1"/>
-          </a:fillRef>
-          <a:effectRef idx="0">
-            <a:schemeClr val="accent1"/>
-          </a:effectRef>
-          <a:fontRef idx="minor">
-            <a:schemeClr val="tx1"/>
-          </a:fontRef>
-        </p:style>
-      </p:cxnSp>
-      <p:cxnSp>
-        <p:nvCxnSpPr>
-          <p:cNvPr id="64" name="Straight Arrow Connector 63">
-            <a:extLst>
-              <a:ext uri="{FF2B5EF4-FFF2-40B4-BE49-F238E27FC236}">
-                <a16:creationId xmlns:a16="http://schemas.microsoft.com/office/drawing/2014/main" id="{4536D292-B63A-4487-88D3-D4BEB2FC779D}"/>
-              </a:ext>
-            </a:extLst>
-          </p:cNvPr>
-          <p:cNvCxnSpPr>
-            <a:stCxn id="26" idx="2"/>
-          </p:cNvCxnSpPr>
-          <p:nvPr/>
-        </p:nvCxnSpPr>
-        <p:spPr>
-          <a:xfrm flipH="1">
-            <a:off x="6849356" y="17776170"/>
-            <a:ext cx="26065" cy="280600"/>
-          </a:xfrm>
-          <a:prstGeom prst="straightConnector1">
-            <a:avLst/>
-          </a:prstGeom>
-          <a:ln>
-            <a:tailEnd type="triangle"/>
-          </a:ln>
-        </p:spPr>
-        <p:style>
-          <a:lnRef idx="1">
-            <a:schemeClr val="accent1"/>
-          </a:lnRef>
-          <a:fillRef idx="0">
-            <a:schemeClr val="accent1"/>
-          </a:fillRef>
-          <a:effectRef idx="0">
-            <a:schemeClr val="accent1"/>
-          </a:effectRef>
-          <a:fontRef idx="minor">
-            <a:schemeClr val="tx1"/>
-          </a:fontRef>
-        </p:style>
-      </p:cxnSp>
-      <p:cxnSp>
-        <p:nvCxnSpPr>
-          <p:cNvPr id="66" name="Straight Arrow Connector 65">
-            <a:extLst>
-              <a:ext uri="{FF2B5EF4-FFF2-40B4-BE49-F238E27FC236}">
-                <a16:creationId xmlns:a16="http://schemas.microsoft.com/office/drawing/2014/main" id="{F24B43BD-474A-4385-9E06-A2E0DB9DC43A}"/>
-              </a:ext>
-            </a:extLst>
-          </p:cNvPr>
-          <p:cNvCxnSpPr/>
-          <p:nvPr/>
-        </p:nvCxnSpPr>
-        <p:spPr>
-          <a:xfrm>
-            <a:off x="8617615" y="19355218"/>
-            <a:ext cx="146131" cy="258692"/>
-          </a:xfrm>
-          <a:prstGeom prst="straightConnector1">
-            <a:avLst/>
-          </a:prstGeom>
-          <a:ln>
-            <a:tailEnd type="triangle"/>
-          </a:ln>
-        </p:spPr>
-        <p:style>
-          <a:lnRef idx="1">
-            <a:schemeClr val="accent1"/>
-          </a:lnRef>
-          <a:fillRef idx="0">
-            <a:schemeClr val="accent1"/>
-          </a:fillRef>
-          <a:effectRef idx="0">
-            <a:schemeClr val="accent1"/>
-          </a:effectRef>
-          <a:fontRef idx="minor">
-            <a:schemeClr val="tx1"/>
-          </a:fontRef>
-        </p:style>
-      </p:cxnSp>
-      <p:cxnSp>
-        <p:nvCxnSpPr>
-          <p:cNvPr id="68" name="Connector: Elbow 67">
-            <a:extLst>
-              <a:ext uri="{FF2B5EF4-FFF2-40B4-BE49-F238E27FC236}">
-                <a16:creationId xmlns:a16="http://schemas.microsoft.com/office/drawing/2014/main" id="{F4CED9EA-4E95-4E85-8C08-4811EC1A0990}"/>
-              </a:ext>
-            </a:extLst>
-          </p:cNvPr>
-          <p:cNvCxnSpPr>
-            <a:stCxn id="26" idx="1"/>
-            <a:endCxn id="29" idx="2"/>
-          </p:cNvCxnSpPr>
-          <p:nvPr/>
-        </p:nvCxnSpPr>
-        <p:spPr>
-          <a:xfrm rot="10800000" flipV="1">
-            <a:off x="5645815" y="17204670"/>
-            <a:ext cx="12700" cy="4036608"/>
-          </a:xfrm>
-          <a:prstGeom prst="bentConnector3">
-            <a:avLst>
-              <a:gd name="adj1" fmla="val 1800000"/>
-            </a:avLst>
-          </a:prstGeom>
-          <a:ln>
-            <a:tailEnd type="triangle"/>
-          </a:ln>
-        </p:spPr>
-        <p:style>
-          <a:lnRef idx="1">
-            <a:schemeClr val="accent1"/>
-          </a:lnRef>
-          <a:fillRef idx="0">
-            <a:schemeClr val="accent1"/>
-          </a:fillRef>
-          <a:effectRef idx="0">
-            <a:schemeClr val="accent1"/>
-          </a:effectRef>
-          <a:fontRef idx="minor">
-            <a:schemeClr val="tx1"/>
-          </a:fontRef>
-        </p:style>
-      </p:cxnSp>
-      <p:cxnSp>
-        <p:nvCxnSpPr>
-          <p:cNvPr id="70" name="Connector: Elbow 69">
-            <a:extLst>
-              <a:ext uri="{FF2B5EF4-FFF2-40B4-BE49-F238E27FC236}">
-                <a16:creationId xmlns:a16="http://schemas.microsoft.com/office/drawing/2014/main" id="{25568C64-0065-4D44-A814-612D9E31D724}"/>
-              </a:ext>
-            </a:extLst>
-          </p:cNvPr>
-          <p:cNvCxnSpPr>
-            <a:stCxn id="25" idx="2"/>
-            <a:endCxn id="30" idx="3"/>
-          </p:cNvCxnSpPr>
-          <p:nvPr/>
-        </p:nvCxnSpPr>
-        <p:spPr>
-          <a:xfrm rot="5400000">
-            <a:off x="9510735" y="19199866"/>
-            <a:ext cx="3103686" cy="256294"/>
-          </a:xfrm>
-          <a:prstGeom prst="bentConnector3">
-            <a:avLst/>
-          </a:prstGeom>
-          <a:ln>
-            <a:tailEnd type="triangle"/>
-          </a:ln>
-        </p:spPr>
-        <p:style>
-          <a:lnRef idx="1">
-            <a:schemeClr val="accent1"/>
-          </a:lnRef>
-          <a:fillRef idx="0">
-            <a:schemeClr val="accent1"/>
-          </a:fillRef>
-          <a:effectRef idx="0">
-            <a:schemeClr val="accent1"/>
-          </a:effectRef>
-          <a:fontRef idx="minor">
-            <a:schemeClr val="tx1"/>
-          </a:fontRef>
-        </p:style>
-      </p:cxnSp>
-      <p:cxnSp>
-        <p:nvCxnSpPr>
-          <p:cNvPr id="74" name="Connector: Elbow 73">
-            <a:extLst>
-              <a:ext uri="{FF2B5EF4-FFF2-40B4-BE49-F238E27FC236}">
-                <a16:creationId xmlns:a16="http://schemas.microsoft.com/office/drawing/2014/main" id="{2720F039-ED44-43CE-85B0-E7F918B56530}"/>
-              </a:ext>
-            </a:extLst>
-          </p:cNvPr>
-          <p:cNvCxnSpPr>
-            <a:stCxn id="28" idx="4"/>
-            <a:endCxn id="30" idx="2"/>
-          </p:cNvCxnSpPr>
-          <p:nvPr/>
-        </p:nvCxnSpPr>
-        <p:spPr>
-          <a:xfrm rot="16200000" flipH="1">
-            <a:off x="8984256" y="20777002"/>
-            <a:ext cx="552241" cy="376309"/>
-          </a:xfrm>
-          <a:prstGeom prst="bentConnector2">
-            <a:avLst/>
-          </a:prstGeom>
-          <a:ln>
-            <a:tailEnd type="triangle"/>
-          </a:ln>
-        </p:spPr>
-        <p:style>
-          <a:lnRef idx="1">
-            <a:schemeClr val="accent1"/>
-          </a:lnRef>
-          <a:fillRef idx="0">
-            <a:schemeClr val="accent1"/>
-          </a:fillRef>
-          <a:effectRef idx="0">
-            <a:schemeClr val="accent1"/>
-          </a:effectRef>
-          <a:fontRef idx="minor">
-            <a:schemeClr val="tx1"/>
-          </a:fontRef>
-        </p:style>
-      </p:cxnSp>
-      <p:cxnSp>
-        <p:nvCxnSpPr>
-          <p:cNvPr id="76" name="Connector: Elbow 75">
-            <a:extLst>
-              <a:ext uri="{FF2B5EF4-FFF2-40B4-BE49-F238E27FC236}">
-                <a16:creationId xmlns:a16="http://schemas.microsoft.com/office/drawing/2014/main" id="{7D544D8A-FD6D-48A2-98AE-0EAFEAB525D0}"/>
-              </a:ext>
-            </a:extLst>
-          </p:cNvPr>
-          <p:cNvCxnSpPr>
-            <a:endCxn id="29" idx="0"/>
-          </p:cNvCxnSpPr>
-          <p:nvPr/>
-        </p:nvCxnSpPr>
-        <p:spPr>
-          <a:xfrm rot="10800000">
-            <a:off x="8617615" y="21241278"/>
-            <a:ext cx="454606" cy="12700"/>
-          </a:xfrm>
-          <a:prstGeom prst="bentConnector3">
-            <a:avLst/>
-          </a:prstGeom>
-          <a:ln>
-            <a:tailEnd type="triangle"/>
-          </a:ln>
-        </p:spPr>
-        <p:style>
-          <a:lnRef idx="1">
-            <a:schemeClr val="accent1"/>
-          </a:lnRef>
-          <a:fillRef idx="0">
-            <a:schemeClr val="accent1"/>
-          </a:fillRef>
-          <a:effectRef idx="0">
-            <a:schemeClr val="accent1"/>
-          </a:effectRef>
-          <a:fontRef idx="minor">
-            <a:schemeClr val="tx1"/>
-          </a:fontRef>
-        </p:style>
-      </p:cxnSp>
-      <p:cxnSp>
-        <p:nvCxnSpPr>
-          <p:cNvPr id="78" name="Connector: Elbow 77">
-            <a:extLst>
-              <a:ext uri="{FF2B5EF4-FFF2-40B4-BE49-F238E27FC236}">
-                <a16:creationId xmlns:a16="http://schemas.microsoft.com/office/drawing/2014/main" id="{18E454CA-58C2-461B-87C5-F20BBB27F5F0}"/>
-              </a:ext>
-            </a:extLst>
-          </p:cNvPr>
-          <p:cNvCxnSpPr>
-            <a:stCxn id="29" idx="1"/>
-            <a:endCxn id="31" idx="0"/>
-          </p:cNvCxnSpPr>
-          <p:nvPr/>
-        </p:nvCxnSpPr>
-        <p:spPr>
-          <a:xfrm rot="5400000">
-            <a:off x="6782122" y="21695999"/>
-            <a:ext cx="442892" cy="256294"/>
-          </a:xfrm>
-          <a:prstGeom prst="bentConnector3">
-            <a:avLst/>
-          </a:prstGeom>
-          <a:ln>
-            <a:tailEnd type="triangle"/>
-          </a:ln>
-        </p:spPr>
-        <p:style>
-          <a:lnRef idx="1">
-            <a:schemeClr val="accent1"/>
-          </a:lnRef>
-          <a:fillRef idx="0">
-            <a:schemeClr val="accent1"/>
-          </a:fillRef>
-          <a:effectRef idx="0">
-            <a:schemeClr val="accent1"/>
-          </a:effectRef>
-          <a:fontRef idx="minor">
-            <a:schemeClr val="tx1"/>
-          </a:fontRef>
-        </p:style>
-      </p:cxnSp>
-      <p:cxnSp>
-        <p:nvCxnSpPr>
-          <p:cNvPr id="80" name="Connector: Elbow 79">
-            <a:extLst>
-              <a:ext uri="{FF2B5EF4-FFF2-40B4-BE49-F238E27FC236}">
-                <a16:creationId xmlns:a16="http://schemas.microsoft.com/office/drawing/2014/main" id="{86A39869-D906-4A95-AED1-5F3D3400BF94}"/>
-              </a:ext>
-            </a:extLst>
-          </p:cNvPr>
-          <p:cNvCxnSpPr>
-            <a:stCxn id="31" idx="2"/>
-          </p:cNvCxnSpPr>
-          <p:nvPr/>
-        </p:nvCxnSpPr>
-        <p:spPr>
-          <a:xfrm rot="5400000">
-            <a:off x="6736342" y="23327671"/>
-            <a:ext cx="278158" cy="12700"/>
-          </a:xfrm>
-          <a:prstGeom prst="bentConnector3">
-            <a:avLst/>
-          </a:prstGeom>
-          <a:ln>
-            <a:tailEnd type="triangle"/>
-          </a:ln>
-        </p:spPr>
-        <p:style>
-          <a:lnRef idx="1">
-            <a:schemeClr val="accent1"/>
-          </a:lnRef>
-          <a:fillRef idx="0">
-            <a:schemeClr val="accent1"/>
-          </a:fillRef>
-          <a:effectRef idx="0">
-            <a:schemeClr val="accent1"/>
-          </a:effectRef>
-          <a:fontRef idx="minor">
-            <a:schemeClr val="tx1"/>
-          </a:fontRef>
-        </p:style>
-      </p:cxnSp>
-      <p:cxnSp>
-        <p:nvCxnSpPr>
-          <p:cNvPr id="82" name="Connector: Elbow 81">
-            <a:extLst>
-              <a:ext uri="{FF2B5EF4-FFF2-40B4-BE49-F238E27FC236}">
-                <a16:creationId xmlns:a16="http://schemas.microsoft.com/office/drawing/2014/main" id="{0069D108-101E-4A43-A8A9-D3E6D16C9754}"/>
-              </a:ext>
-            </a:extLst>
-          </p:cNvPr>
-          <p:cNvCxnSpPr/>
-          <p:nvPr/>
-        </p:nvCxnSpPr>
-        <p:spPr>
-          <a:xfrm rot="5400000">
-            <a:off x="6673996" y="23970284"/>
-            <a:ext cx="350720" cy="12700"/>
-          </a:xfrm>
-          <a:prstGeom prst="bentConnector3">
-            <a:avLst/>
-          </a:prstGeom>
-          <a:ln>
-            <a:tailEnd type="triangle"/>
-          </a:ln>
-        </p:spPr>
-        <p:style>
-          <a:lnRef idx="1">
-            <a:schemeClr val="accent1"/>
-          </a:lnRef>
-          <a:fillRef idx="0">
-            <a:schemeClr val="accent1"/>
-          </a:fillRef>
-          <a:effectRef idx="0">
-            <a:schemeClr val="accent1"/>
-          </a:effectRef>
-          <a:fontRef idx="minor">
-            <a:schemeClr val="tx1"/>
-          </a:fontRef>
-        </p:style>
-      </p:cxnSp>
-      <p:cxnSp>
-        <p:nvCxnSpPr>
-          <p:cNvPr id="84" name="Connector: Elbow 83">
-            <a:extLst>
-              <a:ext uri="{FF2B5EF4-FFF2-40B4-BE49-F238E27FC236}">
-                <a16:creationId xmlns:a16="http://schemas.microsoft.com/office/drawing/2014/main" id="{52B4E0B3-77D2-4F76-902E-A561B5227D0A}"/>
-              </a:ext>
-            </a:extLst>
-          </p:cNvPr>
-          <p:cNvCxnSpPr>
-            <a:stCxn id="33" idx="2"/>
-          </p:cNvCxnSpPr>
-          <p:nvPr/>
-        </p:nvCxnSpPr>
-        <p:spPr>
-          <a:xfrm rot="16200000" flipH="1">
-            <a:off x="6648682" y="25540602"/>
-            <a:ext cx="459828" cy="6350"/>
-          </a:xfrm>
-          <a:prstGeom prst="bentConnector3">
-            <a:avLst/>
-          </a:prstGeom>
-          <a:ln>
-            <a:tailEnd type="triangle"/>
-          </a:ln>
-        </p:spPr>
-        <p:style>
-          <a:lnRef idx="1">
-            <a:schemeClr val="accent1"/>
-          </a:lnRef>
-          <a:fillRef idx="0">
-            <a:schemeClr val="accent1"/>
-          </a:fillRef>
-          <a:effectRef idx="0">
-            <a:schemeClr val="accent1"/>
-          </a:effectRef>
-          <a:fontRef idx="minor">
-            <a:schemeClr val="tx1"/>
-          </a:fontRef>
-        </p:style>
-      </p:cxnSp>
-      <p:cxnSp>
-        <p:nvCxnSpPr>
-          <p:cNvPr id="86" name="Connector: Elbow 85">
-            <a:extLst>
-              <a:ext uri="{FF2B5EF4-FFF2-40B4-BE49-F238E27FC236}">
-                <a16:creationId xmlns:a16="http://schemas.microsoft.com/office/drawing/2014/main" id="{2DB5E412-E925-44A5-A061-AA8DE70E7FE5}"/>
-              </a:ext>
-            </a:extLst>
-          </p:cNvPr>
-          <p:cNvCxnSpPr/>
-          <p:nvPr/>
-        </p:nvCxnSpPr>
-        <p:spPr>
-          <a:xfrm rot="5400000">
-            <a:off x="6680346" y="26545770"/>
-            <a:ext cx="350720" cy="12700"/>
-          </a:xfrm>
-          <a:prstGeom prst="bentConnector3">
-            <a:avLst/>
-          </a:prstGeom>
-          <a:ln>
-            <a:tailEnd type="triangle"/>
-          </a:ln>
-        </p:spPr>
-        <p:style>
-          <a:lnRef idx="1">
-            <a:schemeClr val="accent1"/>
-          </a:lnRef>
-          <a:fillRef idx="0">
-            <a:schemeClr val="accent1"/>
-          </a:fillRef>
-          <a:effectRef idx="0">
-            <a:schemeClr val="accent1"/>
-          </a:effectRef>
-          <a:fontRef idx="minor">
-            <a:schemeClr val="tx1"/>
-          </a:fontRef>
-        </p:style>
-      </p:cxnSp>
-      <p:cxnSp>
-        <p:nvCxnSpPr>
-          <p:cNvPr id="88" name="Connector: Elbow 87">
-            <a:extLst>
-              <a:ext uri="{FF2B5EF4-FFF2-40B4-BE49-F238E27FC236}">
-                <a16:creationId xmlns:a16="http://schemas.microsoft.com/office/drawing/2014/main" id="{EE689E5C-AA64-436D-86D2-1DB99BAB4839}"/>
-              </a:ext>
-            </a:extLst>
-          </p:cNvPr>
-          <p:cNvCxnSpPr>
-            <a:stCxn id="36" idx="1"/>
-            <a:endCxn id="38" idx="0"/>
-          </p:cNvCxnSpPr>
-          <p:nvPr/>
-        </p:nvCxnSpPr>
-        <p:spPr>
-          <a:xfrm rot="5400000">
-            <a:off x="10736533" y="26568308"/>
-            <a:ext cx="395797" cy="12700"/>
-          </a:xfrm>
-          <a:prstGeom prst="bentConnector3">
-            <a:avLst/>
-          </a:prstGeom>
-          <a:ln>
-            <a:tailEnd type="triangle"/>
-          </a:ln>
-        </p:spPr>
-        <p:style>
-          <a:lnRef idx="1">
-            <a:schemeClr val="accent1"/>
-          </a:lnRef>
-          <a:fillRef idx="0">
-            <a:schemeClr val="accent1"/>
-          </a:fillRef>
-          <a:effectRef idx="0">
-            <a:schemeClr val="accent1"/>
-          </a:effectRef>
-          <a:fontRef idx="minor">
-            <a:schemeClr val="tx1"/>
-          </a:fontRef>
-        </p:style>
-      </p:cxnSp>
-      <p:sp>
-        <p:nvSpPr>
-          <p:cNvPr id="91" name="Rectangle: Rounded Corners 90">
-            <a:extLst>
-              <a:ext uri="{FF2B5EF4-FFF2-40B4-BE49-F238E27FC236}">
-                <a16:creationId xmlns:a16="http://schemas.microsoft.com/office/drawing/2014/main" id="{1D4FDB63-CA50-4230-8E4B-72D73B0DDE11}"/>
-              </a:ext>
-            </a:extLst>
-          </p:cNvPr>
-          <p:cNvSpPr/>
-          <p:nvPr/>
-        </p:nvSpPr>
-        <p:spPr>
-          <a:xfrm>
-            <a:off x="9442181" y="23412042"/>
-            <a:ext cx="2971800" cy="1143000"/>
-          </a:xfrm>
-          <a:prstGeom prst="roundRect">
-            <a:avLst/>
-          </a:prstGeom>
-        </p:spPr>
-        <p:style>
-          <a:lnRef idx="2">
-            <a:schemeClr val="accent1">
-              <a:shade val="50000"/>
-            </a:schemeClr>
-          </a:lnRef>
-          <a:fillRef idx="1">
-            <a:schemeClr val="accent1"/>
-          </a:fillRef>
-          <a:effectRef idx="0">
-            <a:schemeClr val="accent1"/>
-          </a:effectRef>
-          <a:fontRef idx="minor">
-            <a:schemeClr val="lt1"/>
-          </a:fontRef>
-        </p:style>
-        <p:txBody>
-          <a:bodyPr rtlCol="0" anchor="ctr"/>
-          <a:lstStyle/>
-          <a:p>
-            <a:pPr algn="ctr"/>
-            <a:r>
-              <a:rPr lang="en-CA" dirty="0"/>
-              <a:t>Volumes</a:t>
-            </a:r>
-          </a:p>
-          <a:p>
-            <a:pPr algn="ctr"/>
-            <a:r>
-              <a:rPr lang="en-CA" dirty="0"/>
-              <a:t>Pixel dimension:(1,1,1)</a:t>
-            </a:r>
-          </a:p>
-          <a:p>
-            <a:pPr algn="ctr"/>
-            <a:r>
-              <a:rPr lang="en-CA" dirty="0"/>
-              <a:t>Window size: cropped</a:t>
-            </a:r>
-          </a:p>
-        </p:txBody>
-      </p:sp>
-      <p:cxnSp>
-        <p:nvCxnSpPr>
-          <p:cNvPr id="93" name="Connector: Elbow 92">
-            <a:extLst>
-              <a:ext uri="{FF2B5EF4-FFF2-40B4-BE49-F238E27FC236}">
-                <a16:creationId xmlns:a16="http://schemas.microsoft.com/office/drawing/2014/main" id="{1F8D586D-D4FD-42BA-B270-19E4F5C3863B}"/>
-              </a:ext>
-            </a:extLst>
-          </p:cNvPr>
-          <p:cNvCxnSpPr>
-            <a:stCxn id="30" idx="1"/>
-            <a:endCxn id="91" idx="0"/>
-          </p:cNvCxnSpPr>
-          <p:nvPr/>
-        </p:nvCxnSpPr>
-        <p:spPr>
-          <a:xfrm rot="5400000">
-            <a:off x="10026585" y="22504196"/>
-            <a:ext cx="1809342" cy="6350"/>
-          </a:xfrm>
-          <a:prstGeom prst="bentConnector3">
-            <a:avLst/>
-          </a:prstGeom>
-          <a:ln>
-            <a:tailEnd type="triangle"/>
-          </a:ln>
-        </p:spPr>
-        <p:style>
-          <a:lnRef idx="1">
-            <a:schemeClr val="accent1"/>
-          </a:lnRef>
-          <a:fillRef idx="0">
-            <a:schemeClr val="accent1"/>
-          </a:fillRef>
-          <a:effectRef idx="0">
-            <a:schemeClr val="accent1"/>
-          </a:effectRef>
-          <a:fontRef idx="minor">
-            <a:schemeClr val="tx1"/>
-          </a:fontRef>
-        </p:style>
-      </p:cxnSp>
-      <p:cxnSp>
-        <p:nvCxnSpPr>
-          <p:cNvPr id="95" name="Connector: Elbow 94">
-            <a:extLst>
-              <a:ext uri="{FF2B5EF4-FFF2-40B4-BE49-F238E27FC236}">
-                <a16:creationId xmlns:a16="http://schemas.microsoft.com/office/drawing/2014/main" id="{346C34F4-D228-47F4-867E-9185A3B2B059}"/>
-              </a:ext>
-            </a:extLst>
-          </p:cNvPr>
-          <p:cNvCxnSpPr>
-            <a:stCxn id="91" idx="2"/>
-            <a:endCxn id="36" idx="3"/>
-          </p:cNvCxnSpPr>
-          <p:nvPr/>
-        </p:nvCxnSpPr>
-        <p:spPr>
-          <a:xfrm rot="16200000" flipH="1">
-            <a:off x="10321932" y="25161191"/>
-            <a:ext cx="1218649" cy="6350"/>
-          </a:xfrm>
-          <a:prstGeom prst="bentConnector3">
-            <a:avLst/>
-          </a:prstGeom>
-          <a:ln>
-            <a:tailEnd type="triangle"/>
-          </a:ln>
-        </p:spPr>
-        <p:style>
-          <a:lnRef idx="1">
-            <a:schemeClr val="accent1"/>
-          </a:lnRef>
-          <a:fillRef idx="0">
-            <a:schemeClr val="accent1"/>
-          </a:fillRef>
-          <a:effectRef idx="0">
-            <a:schemeClr val="accent1"/>
-          </a:effectRef>
-          <a:fontRef idx="minor">
-            <a:schemeClr val="tx1"/>
-          </a:fontRef>
-        </p:style>
-      </p:cxnSp>
-      <p:sp>
-        <p:nvSpPr>
-          <p:cNvPr id="98" name="Rectangle 97">
-            <a:extLst>
-              <a:ext uri="{FF2B5EF4-FFF2-40B4-BE49-F238E27FC236}">
-                <a16:creationId xmlns:a16="http://schemas.microsoft.com/office/drawing/2014/main" id="{82C26CCA-5303-43AA-A2D4-0534B1909EDD}"/>
-              </a:ext>
-            </a:extLst>
-          </p:cNvPr>
-          <p:cNvSpPr/>
-          <p:nvPr/>
-        </p:nvSpPr>
-        <p:spPr>
           <a:xfrm rot="16200000">
-            <a:off x="-4866052" y="17453084"/>
-            <a:ext cx="16881308" cy="1744938"/>
+            <a:off x="-6006864" y="17259419"/>
+            <a:ext cx="19162932" cy="1744938"/>
           </a:xfrm>
           <a:prstGeom prst="rect">
             <a:avLst/>
@@ -6805,6 +5908,1946 @@
           <a:xfrm rot="16200000" flipH="1">
             <a:off x="23090428" y="16499919"/>
             <a:ext cx="465993" cy="3553"/>
+          </a:xfrm>
+          <a:prstGeom prst="bentConnector3">
+            <a:avLst/>
+          </a:prstGeom>
+          <a:ln>
+            <a:tailEnd type="triangle"/>
+          </a:ln>
+        </p:spPr>
+        <p:style>
+          <a:lnRef idx="1">
+            <a:schemeClr val="accent1"/>
+          </a:lnRef>
+          <a:fillRef idx="0">
+            <a:schemeClr val="accent1"/>
+          </a:fillRef>
+          <a:effectRef idx="0">
+            <a:schemeClr val="accent1"/>
+          </a:effectRef>
+          <a:fontRef idx="minor">
+            <a:schemeClr val="tx1"/>
+          </a:fontRef>
+        </p:style>
+      </p:cxnSp>
+      <p:sp>
+        <p:nvSpPr>
+          <p:cNvPr id="83" name="Rectangle: Single Corner Snipped 82">
+            <a:extLst>
+              <a:ext uri="{FF2B5EF4-FFF2-40B4-BE49-F238E27FC236}">
+                <a16:creationId xmlns:a16="http://schemas.microsoft.com/office/drawing/2014/main" id="{6C1D8BE6-CBBF-428A-9F11-FE2D1F417A94}"/>
+              </a:ext>
+            </a:extLst>
+          </p:cNvPr>
+          <p:cNvSpPr/>
+          <p:nvPr/>
+        </p:nvSpPr>
+        <p:spPr>
+          <a:xfrm>
+            <a:off x="5645815" y="18765225"/>
+            <a:ext cx="2971800" cy="1037386"/>
+          </a:xfrm>
+          <a:prstGeom prst="snip1Rect">
+            <a:avLst/>
+          </a:prstGeom>
+        </p:spPr>
+        <p:style>
+          <a:lnRef idx="2">
+            <a:schemeClr val="accent6">
+              <a:shade val="50000"/>
+            </a:schemeClr>
+          </a:lnRef>
+          <a:fillRef idx="1">
+            <a:schemeClr val="accent6"/>
+          </a:fillRef>
+          <a:effectRef idx="0">
+            <a:schemeClr val="accent6"/>
+          </a:effectRef>
+          <a:fontRef idx="minor">
+            <a:schemeClr val="lt1"/>
+          </a:fontRef>
+        </p:style>
+        <p:txBody>
+          <a:bodyPr rtlCol="0" anchor="ctr"/>
+          <a:lstStyle/>
+          <a:p>
+            <a:pPr algn="ctr"/>
+            <a:r>
+              <a:rPr lang="en-CA" i="1" dirty="0" err="1"/>
+              <a:t>CalculateScalingMatrix</a:t>
+            </a:r>
+            <a:endParaRPr lang="en-CA" i="1" dirty="0"/>
+          </a:p>
+          <a:p>
+            <a:pPr algn="ctr"/>
+            <a:r>
+              <a:rPr lang="en-CA" dirty="0"/>
+              <a:t>To go from size W to (120,120,120)</a:t>
+            </a:r>
+          </a:p>
+        </p:txBody>
+      </p:sp>
+      <p:sp>
+        <p:nvSpPr>
+          <p:cNvPr id="87" name="Oval 86">
+            <a:extLst>
+              <a:ext uri="{FF2B5EF4-FFF2-40B4-BE49-F238E27FC236}">
+                <a16:creationId xmlns:a16="http://schemas.microsoft.com/office/drawing/2014/main" id="{7E5B8A12-9190-45E9-AA69-0F89DB59D8C7}"/>
+              </a:ext>
+            </a:extLst>
+          </p:cNvPr>
+          <p:cNvSpPr/>
+          <p:nvPr/>
+        </p:nvSpPr>
+        <p:spPr>
+          <a:xfrm>
+            <a:off x="9722377" y="18532530"/>
+            <a:ext cx="2117508" cy="1143000"/>
+          </a:xfrm>
+          <a:prstGeom prst="ellipse">
+            <a:avLst/>
+          </a:prstGeom>
+        </p:spPr>
+        <p:style>
+          <a:lnRef idx="2">
+            <a:schemeClr val="accent2">
+              <a:shade val="50000"/>
+            </a:schemeClr>
+          </a:lnRef>
+          <a:fillRef idx="1">
+            <a:schemeClr val="accent2"/>
+          </a:fillRef>
+          <a:effectRef idx="0">
+            <a:schemeClr val="accent2"/>
+          </a:effectRef>
+          <a:fontRef idx="minor">
+            <a:schemeClr val="lt1"/>
+          </a:fontRef>
+        </p:style>
+        <p:txBody>
+          <a:bodyPr rtlCol="0" anchor="ctr"/>
+          <a:lstStyle/>
+          <a:p>
+            <a:pPr algn="ctr"/>
+            <a:r>
+              <a:rPr lang="en-CA" dirty="0"/>
+              <a:t>Scaling Matrix</a:t>
+            </a:r>
+          </a:p>
+          <a:p>
+            <a:pPr algn="ctr"/>
+            <a:r>
+              <a:rPr lang="en-CA" b="1" u="sng" dirty="0"/>
+              <a:t>S</a:t>
+            </a:r>
+          </a:p>
+        </p:txBody>
+      </p:sp>
+      <p:sp>
+        <p:nvSpPr>
+          <p:cNvPr id="89" name="Rectangle: Single Corner Snipped 88">
+            <a:extLst>
+              <a:ext uri="{FF2B5EF4-FFF2-40B4-BE49-F238E27FC236}">
+                <a16:creationId xmlns:a16="http://schemas.microsoft.com/office/drawing/2014/main" id="{F6A9FD97-C55F-4E77-B94A-8FACE1B08D8F}"/>
+              </a:ext>
+            </a:extLst>
+          </p:cNvPr>
+          <p:cNvSpPr/>
+          <p:nvPr/>
+        </p:nvSpPr>
+        <p:spPr>
+          <a:xfrm>
+            <a:off x="13108425" y="15404307"/>
+            <a:ext cx="2971800" cy="1037386"/>
+          </a:xfrm>
+          <a:prstGeom prst="snip1Rect">
+            <a:avLst/>
+          </a:prstGeom>
+        </p:spPr>
+        <p:style>
+          <a:lnRef idx="2">
+            <a:schemeClr val="accent6">
+              <a:shade val="50000"/>
+            </a:schemeClr>
+          </a:lnRef>
+          <a:fillRef idx="1">
+            <a:schemeClr val="accent6"/>
+          </a:fillRef>
+          <a:effectRef idx="0">
+            <a:schemeClr val="accent6"/>
+          </a:effectRef>
+          <a:fontRef idx="minor">
+            <a:schemeClr val="lt1"/>
+          </a:fontRef>
+        </p:style>
+        <p:txBody>
+          <a:bodyPr rtlCol="0" anchor="ctr"/>
+          <a:lstStyle/>
+          <a:p>
+            <a:pPr algn="ctr"/>
+            <a:r>
+              <a:rPr lang="en-CA" i="1" dirty="0" err="1"/>
+              <a:t>ExtractKeypoints</a:t>
+            </a:r>
+            <a:endParaRPr lang="en-CA" i="1" dirty="0"/>
+          </a:p>
+          <a:p>
+            <a:pPr algn="ctr"/>
+            <a:r>
+              <a:rPr lang="en-CA" dirty="0"/>
+              <a:t>Extract </a:t>
+            </a:r>
+            <a:r>
+              <a:rPr lang="en-CA" dirty="0" err="1"/>
+              <a:t>keypoints</a:t>
+            </a:r>
+            <a:r>
+              <a:rPr lang="en-CA" dirty="0"/>
+              <a:t> from all images</a:t>
+            </a:r>
+          </a:p>
+        </p:txBody>
+      </p:sp>
+      <p:sp>
+        <p:nvSpPr>
+          <p:cNvPr id="90" name="Oval 89">
+            <a:extLst>
+              <a:ext uri="{FF2B5EF4-FFF2-40B4-BE49-F238E27FC236}">
+                <a16:creationId xmlns:a16="http://schemas.microsoft.com/office/drawing/2014/main" id="{E0FE7FCB-7068-4403-9E21-FCC69F5D04EA}"/>
+              </a:ext>
+            </a:extLst>
+          </p:cNvPr>
+          <p:cNvSpPr/>
+          <p:nvPr/>
+        </p:nvSpPr>
+        <p:spPr>
+          <a:xfrm>
+            <a:off x="13640864" y="20069380"/>
+            <a:ext cx="1970562" cy="1143000"/>
+          </a:xfrm>
+          <a:prstGeom prst="ellipse">
+            <a:avLst/>
+          </a:prstGeom>
+        </p:spPr>
+        <p:style>
+          <a:lnRef idx="2">
+            <a:schemeClr val="accent2">
+              <a:shade val="50000"/>
+            </a:schemeClr>
+          </a:lnRef>
+          <a:fillRef idx="1">
+            <a:schemeClr val="accent2"/>
+          </a:fillRef>
+          <a:effectRef idx="0">
+            <a:schemeClr val="accent2"/>
+          </a:effectRef>
+          <a:fontRef idx="minor">
+            <a:schemeClr val="lt1"/>
+          </a:fontRef>
+        </p:style>
+        <p:txBody>
+          <a:bodyPr rtlCol="0" anchor="ctr"/>
+          <a:lstStyle/>
+          <a:p>
+            <a:pPr algn="ctr"/>
+            <a:r>
+              <a:rPr lang="en-CA" dirty="0"/>
+              <a:t>Reference </a:t>
+            </a:r>
+            <a:r>
+              <a:rPr lang="en-CA" dirty="0" err="1"/>
+              <a:t>Keypoints</a:t>
+            </a:r>
+            <a:endParaRPr lang="en-CA" dirty="0"/>
+          </a:p>
+        </p:txBody>
+      </p:sp>
+      <p:sp>
+        <p:nvSpPr>
+          <p:cNvPr id="94" name="Rectangle: Single Corner Snipped 93">
+            <a:extLst>
+              <a:ext uri="{FF2B5EF4-FFF2-40B4-BE49-F238E27FC236}">
+                <a16:creationId xmlns:a16="http://schemas.microsoft.com/office/drawing/2014/main" id="{D9E9DBB2-19D1-45D2-90B2-808253E482CE}"/>
+              </a:ext>
+            </a:extLst>
+          </p:cNvPr>
+          <p:cNvSpPr/>
+          <p:nvPr/>
+        </p:nvSpPr>
+        <p:spPr>
+          <a:xfrm>
+            <a:off x="13108424" y="21513260"/>
+            <a:ext cx="3310135" cy="1907791"/>
+          </a:xfrm>
+          <a:prstGeom prst="snip1Rect">
+            <a:avLst/>
+          </a:prstGeom>
+        </p:spPr>
+        <p:style>
+          <a:lnRef idx="2">
+            <a:schemeClr val="accent6">
+              <a:shade val="50000"/>
+            </a:schemeClr>
+          </a:lnRef>
+          <a:fillRef idx="1">
+            <a:schemeClr val="accent6"/>
+          </a:fillRef>
+          <a:effectRef idx="0">
+            <a:schemeClr val="accent6"/>
+          </a:effectRef>
+          <a:fontRef idx="minor">
+            <a:schemeClr val="lt1"/>
+          </a:fontRef>
+        </p:style>
+        <p:txBody>
+          <a:bodyPr rtlCol="0" anchor="ctr"/>
+          <a:lstStyle/>
+          <a:p>
+            <a:pPr algn="ctr"/>
+            <a:r>
+              <a:rPr lang="en-CA" i="1" dirty="0" err="1"/>
+              <a:t>calculateTransformationMatrix</a:t>
+            </a:r>
+            <a:endParaRPr lang="en-CA" i="1" dirty="0"/>
+          </a:p>
+          <a:p>
+            <a:pPr algn="ctr"/>
+            <a:r>
+              <a:rPr lang="en-CA" dirty="0"/>
+              <a:t>Using </a:t>
+            </a:r>
+            <a:r>
+              <a:rPr lang="en-CA" dirty="0" err="1"/>
+              <a:t>featMatchMultiple</a:t>
+            </a:r>
+            <a:r>
+              <a:rPr lang="en-CA" dirty="0"/>
+              <a:t> calculate a transformation matrix </a:t>
+            </a:r>
+            <a:r>
+              <a:rPr lang="en-CA" b="1" u="sng" dirty="0"/>
+              <a:t>T</a:t>
+            </a:r>
+            <a:r>
+              <a:rPr lang="en-CA" dirty="0"/>
+              <a:t> between the reference </a:t>
+            </a:r>
+            <a:r>
+              <a:rPr lang="en-CA" dirty="0" err="1"/>
+              <a:t>keypoints</a:t>
+            </a:r>
+            <a:r>
+              <a:rPr lang="en-CA" dirty="0"/>
+              <a:t> and </a:t>
+            </a:r>
+            <a:r>
+              <a:rPr lang="en-CA" dirty="0" err="1"/>
+              <a:t>keypoints</a:t>
+            </a:r>
+            <a:r>
+              <a:rPr lang="en-CA" dirty="0"/>
+              <a:t> from other images</a:t>
+            </a:r>
+          </a:p>
+        </p:txBody>
+      </p:sp>
+      <p:sp>
+        <p:nvSpPr>
+          <p:cNvPr id="96" name="Oval 95">
+            <a:extLst>
+              <a:ext uri="{FF2B5EF4-FFF2-40B4-BE49-F238E27FC236}">
+                <a16:creationId xmlns:a16="http://schemas.microsoft.com/office/drawing/2014/main" id="{07FB89C4-F693-4E58-A5A4-CA7A3A7EC489}"/>
+              </a:ext>
+            </a:extLst>
+          </p:cNvPr>
+          <p:cNvSpPr/>
+          <p:nvPr/>
+        </p:nvSpPr>
+        <p:spPr>
+          <a:xfrm>
+            <a:off x="13458209" y="23725276"/>
+            <a:ext cx="2821449" cy="1143000"/>
+          </a:xfrm>
+          <a:prstGeom prst="ellipse">
+            <a:avLst/>
+          </a:prstGeom>
+        </p:spPr>
+        <p:style>
+          <a:lnRef idx="2">
+            <a:schemeClr val="accent2">
+              <a:shade val="50000"/>
+            </a:schemeClr>
+          </a:lnRef>
+          <a:fillRef idx="1">
+            <a:schemeClr val="accent2"/>
+          </a:fillRef>
+          <a:effectRef idx="0">
+            <a:schemeClr val="accent2"/>
+          </a:effectRef>
+          <a:fontRef idx="minor">
+            <a:schemeClr val="lt1"/>
+          </a:fontRef>
+        </p:style>
+        <p:txBody>
+          <a:bodyPr rtlCol="0" anchor="ctr"/>
+          <a:lstStyle/>
+          <a:p>
+            <a:pPr algn="ctr"/>
+            <a:r>
+              <a:rPr lang="en-CA" dirty="0"/>
+              <a:t>Transformation matrices </a:t>
+            </a:r>
+            <a:r>
+              <a:rPr lang="en-CA" b="1" u="sng" dirty="0"/>
+              <a:t>T</a:t>
+            </a:r>
+          </a:p>
+        </p:txBody>
+      </p:sp>
+      <p:sp>
+        <p:nvSpPr>
+          <p:cNvPr id="97" name="Rectangle: Single Corner Snipped 96">
+            <a:extLst>
+              <a:ext uri="{FF2B5EF4-FFF2-40B4-BE49-F238E27FC236}">
+                <a16:creationId xmlns:a16="http://schemas.microsoft.com/office/drawing/2014/main" id="{72B43650-933B-4029-BA7E-8114F2B567E5}"/>
+              </a:ext>
+            </a:extLst>
+          </p:cNvPr>
+          <p:cNvSpPr/>
+          <p:nvPr/>
+        </p:nvSpPr>
+        <p:spPr>
+          <a:xfrm>
+            <a:off x="5645815" y="20307617"/>
+            <a:ext cx="2971800" cy="1037386"/>
+          </a:xfrm>
+          <a:prstGeom prst="snip1Rect">
+            <a:avLst/>
+          </a:prstGeom>
+        </p:spPr>
+        <p:style>
+          <a:lnRef idx="2">
+            <a:schemeClr val="accent6">
+              <a:shade val="50000"/>
+            </a:schemeClr>
+          </a:lnRef>
+          <a:fillRef idx="1">
+            <a:schemeClr val="accent6"/>
+          </a:fillRef>
+          <a:effectRef idx="0">
+            <a:schemeClr val="accent6"/>
+          </a:effectRef>
+          <a:fontRef idx="minor">
+            <a:schemeClr val="lt1"/>
+          </a:fontRef>
+        </p:style>
+        <p:txBody>
+          <a:bodyPr rtlCol="0" anchor="ctr"/>
+          <a:lstStyle/>
+          <a:p>
+            <a:pPr algn="ctr"/>
+            <a:r>
+              <a:rPr lang="en-CA" i="1" dirty="0" err="1"/>
+              <a:t>TransformLabelImage</a:t>
+            </a:r>
+            <a:endParaRPr lang="en-CA" i="1" dirty="0"/>
+          </a:p>
+          <a:p>
+            <a:pPr algn="ctr"/>
+            <a:r>
+              <a:rPr lang="en-CA" dirty="0"/>
+              <a:t>Transform all images except ref image using </a:t>
+            </a:r>
+            <a:r>
+              <a:rPr lang="en-CA" b="1" u="sng" dirty="0"/>
+              <a:t>T</a:t>
+            </a:r>
+          </a:p>
+        </p:txBody>
+      </p:sp>
+      <p:sp>
+        <p:nvSpPr>
+          <p:cNvPr id="101" name="Rectangle: Single Corner Snipped 100">
+            <a:extLst>
+              <a:ext uri="{FF2B5EF4-FFF2-40B4-BE49-F238E27FC236}">
+                <a16:creationId xmlns:a16="http://schemas.microsoft.com/office/drawing/2014/main" id="{3CB95BBE-7FC7-4415-8ADC-FDCD779721E5}"/>
+              </a:ext>
+            </a:extLst>
+          </p:cNvPr>
+          <p:cNvSpPr/>
+          <p:nvPr/>
+        </p:nvSpPr>
+        <p:spPr>
+          <a:xfrm>
+            <a:off x="9484837" y="20323428"/>
+            <a:ext cx="2971800" cy="1037386"/>
+          </a:xfrm>
+          <a:prstGeom prst="snip1Rect">
+            <a:avLst/>
+          </a:prstGeom>
+        </p:spPr>
+        <p:style>
+          <a:lnRef idx="2">
+            <a:schemeClr val="accent6">
+              <a:shade val="50000"/>
+            </a:schemeClr>
+          </a:lnRef>
+          <a:fillRef idx="1">
+            <a:schemeClr val="accent6"/>
+          </a:fillRef>
+          <a:effectRef idx="0">
+            <a:schemeClr val="accent6"/>
+          </a:effectRef>
+          <a:fontRef idx="minor">
+            <a:schemeClr val="lt1"/>
+          </a:fontRef>
+        </p:style>
+        <p:txBody>
+          <a:bodyPr rtlCol="0" anchor="ctr"/>
+          <a:lstStyle/>
+          <a:p>
+            <a:pPr algn="ctr"/>
+            <a:r>
+              <a:rPr lang="en-CA" i="1" dirty="0" err="1"/>
+              <a:t>TransformVolumeImage</a:t>
+            </a:r>
+            <a:endParaRPr lang="en-CA" i="1" dirty="0"/>
+          </a:p>
+          <a:p>
+            <a:pPr algn="ctr"/>
+            <a:r>
+              <a:rPr lang="en-CA" dirty="0"/>
+              <a:t>Transform all images except ref image using </a:t>
+            </a:r>
+            <a:r>
+              <a:rPr lang="en-CA" b="1" u="sng" dirty="0"/>
+              <a:t>T</a:t>
+            </a:r>
+          </a:p>
+        </p:txBody>
+      </p:sp>
+      <p:sp>
+        <p:nvSpPr>
+          <p:cNvPr id="103" name="Rectangle: Rounded Corners 102">
+            <a:extLst>
+              <a:ext uri="{FF2B5EF4-FFF2-40B4-BE49-F238E27FC236}">
+                <a16:creationId xmlns:a16="http://schemas.microsoft.com/office/drawing/2014/main" id="{9AF21303-551C-420C-9A23-C9E2B2FF630C}"/>
+              </a:ext>
+            </a:extLst>
+          </p:cNvPr>
+          <p:cNvSpPr/>
+          <p:nvPr/>
+        </p:nvSpPr>
+        <p:spPr>
+          <a:xfrm>
+            <a:off x="5656056" y="21609836"/>
+            <a:ext cx="2971800" cy="1143000"/>
+          </a:xfrm>
+          <a:prstGeom prst="roundRect">
+            <a:avLst/>
+          </a:prstGeom>
+        </p:spPr>
+        <p:style>
+          <a:lnRef idx="2">
+            <a:schemeClr val="accent1">
+              <a:shade val="50000"/>
+            </a:schemeClr>
+          </a:lnRef>
+          <a:fillRef idx="1">
+            <a:schemeClr val="accent1"/>
+          </a:fillRef>
+          <a:effectRef idx="0">
+            <a:schemeClr val="accent1"/>
+          </a:effectRef>
+          <a:fontRef idx="minor">
+            <a:schemeClr val="lt1"/>
+          </a:fontRef>
+        </p:style>
+        <p:txBody>
+          <a:bodyPr rtlCol="0" anchor="ctr"/>
+          <a:lstStyle/>
+          <a:p>
+            <a:pPr algn="ctr"/>
+            <a:r>
+              <a:rPr lang="en-CA" dirty="0"/>
+              <a:t>Labels</a:t>
+            </a:r>
+          </a:p>
+          <a:p>
+            <a:pPr algn="ctr"/>
+            <a:r>
+              <a:rPr lang="en-CA" dirty="0"/>
+              <a:t>Pixel dimension:(1,1,1)</a:t>
+            </a:r>
+          </a:p>
+          <a:p>
+            <a:pPr algn="ctr"/>
+            <a:r>
+              <a:rPr lang="en-CA" dirty="0"/>
+              <a:t>Window translated and rotated</a:t>
+            </a:r>
+          </a:p>
+        </p:txBody>
+      </p:sp>
+      <p:sp>
+        <p:nvSpPr>
+          <p:cNvPr id="104" name="Rectangle: Single Corner Snipped 103">
+            <a:extLst>
+              <a:ext uri="{FF2B5EF4-FFF2-40B4-BE49-F238E27FC236}">
+                <a16:creationId xmlns:a16="http://schemas.microsoft.com/office/drawing/2014/main" id="{04D38772-CF06-478D-9989-E1DE4AD9A963}"/>
+              </a:ext>
+            </a:extLst>
+          </p:cNvPr>
+          <p:cNvSpPr/>
+          <p:nvPr/>
+        </p:nvSpPr>
+        <p:spPr>
+          <a:xfrm>
+            <a:off x="5656056" y="23149149"/>
+            <a:ext cx="2971800" cy="1037386"/>
+          </a:xfrm>
+          <a:prstGeom prst="snip1Rect">
+            <a:avLst/>
+          </a:prstGeom>
+        </p:spPr>
+        <p:style>
+          <a:lnRef idx="2">
+            <a:schemeClr val="accent6">
+              <a:shade val="50000"/>
+            </a:schemeClr>
+          </a:lnRef>
+          <a:fillRef idx="1">
+            <a:schemeClr val="accent6"/>
+          </a:fillRef>
+          <a:effectRef idx="0">
+            <a:schemeClr val="accent6"/>
+          </a:effectRef>
+          <a:fontRef idx="minor">
+            <a:schemeClr val="lt1"/>
+          </a:fontRef>
+        </p:style>
+        <p:txBody>
+          <a:bodyPr rtlCol="0" anchor="ctr"/>
+          <a:lstStyle/>
+          <a:p>
+            <a:pPr algn="ctr"/>
+            <a:r>
+              <a:rPr lang="en-CA" i="1" dirty="0" err="1"/>
+              <a:t>ExtractAndScaleWindow</a:t>
+            </a:r>
+            <a:endParaRPr lang="en-CA" i="1" dirty="0"/>
+          </a:p>
+          <a:p>
+            <a:pPr algn="ctr"/>
+            <a:r>
+              <a:rPr lang="en-CA" dirty="0"/>
+              <a:t>Extract window </a:t>
+            </a:r>
+            <a:r>
+              <a:rPr lang="en-CA" b="1" u="sng" dirty="0"/>
+              <a:t>W</a:t>
+            </a:r>
+            <a:r>
+              <a:rPr lang="en-CA" dirty="0"/>
+              <a:t> and scale it using </a:t>
+            </a:r>
+            <a:r>
+              <a:rPr lang="en-CA" b="1" u="sng" dirty="0"/>
+              <a:t>S</a:t>
+            </a:r>
+          </a:p>
+        </p:txBody>
+      </p:sp>
+      <p:sp>
+        <p:nvSpPr>
+          <p:cNvPr id="114" name="Rectangle: Rounded Corners 113">
+            <a:extLst>
+              <a:ext uri="{FF2B5EF4-FFF2-40B4-BE49-F238E27FC236}">
+                <a16:creationId xmlns:a16="http://schemas.microsoft.com/office/drawing/2014/main" id="{81303F44-2D3A-4538-921C-638C2F25F3C3}"/>
+              </a:ext>
+            </a:extLst>
+          </p:cNvPr>
+          <p:cNvSpPr/>
+          <p:nvPr/>
+        </p:nvSpPr>
+        <p:spPr>
+          <a:xfrm>
+            <a:off x="5619750" y="24507357"/>
+            <a:ext cx="2971800" cy="1143000"/>
+          </a:xfrm>
+          <a:prstGeom prst="roundRect">
+            <a:avLst/>
+          </a:prstGeom>
+        </p:spPr>
+        <p:style>
+          <a:lnRef idx="2">
+            <a:schemeClr val="accent1">
+              <a:shade val="50000"/>
+            </a:schemeClr>
+          </a:lnRef>
+          <a:fillRef idx="1">
+            <a:schemeClr val="accent1"/>
+          </a:fillRef>
+          <a:effectRef idx="0">
+            <a:schemeClr val="accent1"/>
+          </a:effectRef>
+          <a:fontRef idx="minor">
+            <a:schemeClr val="lt1"/>
+          </a:fontRef>
+        </p:style>
+        <p:txBody>
+          <a:bodyPr rtlCol="0" anchor="ctr"/>
+          <a:lstStyle/>
+          <a:p>
+            <a:pPr algn="ctr"/>
+            <a:r>
+              <a:rPr lang="en-CA" dirty="0"/>
+              <a:t>Segmentations</a:t>
+            </a:r>
+          </a:p>
+          <a:p>
+            <a:pPr algn="ctr"/>
+            <a:r>
+              <a:rPr lang="en-CA" dirty="0"/>
+              <a:t>Window size: (120,120,120)</a:t>
+            </a:r>
+          </a:p>
+          <a:p>
+            <a:pPr algn="ctr"/>
+            <a:r>
+              <a:rPr lang="en-CA" dirty="0"/>
+              <a:t>Labels:[0,38,120,3087…]</a:t>
+            </a:r>
+          </a:p>
+        </p:txBody>
+      </p:sp>
+      <p:sp>
+        <p:nvSpPr>
+          <p:cNvPr id="116" name="Rectangle: Rounded Corners 115">
+            <a:extLst>
+              <a:ext uri="{FF2B5EF4-FFF2-40B4-BE49-F238E27FC236}">
+                <a16:creationId xmlns:a16="http://schemas.microsoft.com/office/drawing/2014/main" id="{26E6247B-FB9F-4E06-8638-69C46FB7DE68}"/>
+              </a:ext>
+            </a:extLst>
+          </p:cNvPr>
+          <p:cNvSpPr/>
+          <p:nvPr/>
+        </p:nvSpPr>
+        <p:spPr>
+          <a:xfrm>
+            <a:off x="5656056" y="27045010"/>
+            <a:ext cx="2971800" cy="1143000"/>
+          </a:xfrm>
+          <a:prstGeom prst="roundRect">
+            <a:avLst/>
+          </a:prstGeom>
+        </p:spPr>
+        <p:style>
+          <a:lnRef idx="2">
+            <a:schemeClr val="accent1">
+              <a:shade val="50000"/>
+            </a:schemeClr>
+          </a:lnRef>
+          <a:fillRef idx="1">
+            <a:schemeClr val="accent1"/>
+          </a:fillRef>
+          <a:effectRef idx="0">
+            <a:schemeClr val="accent1"/>
+          </a:effectRef>
+          <a:fontRef idx="minor">
+            <a:schemeClr val="lt1"/>
+          </a:fontRef>
+        </p:style>
+        <p:txBody>
+          <a:bodyPr rtlCol="0" anchor="ctr"/>
+          <a:lstStyle/>
+          <a:p>
+            <a:pPr algn="ctr"/>
+            <a:r>
+              <a:rPr lang="en-CA" dirty="0"/>
+              <a:t>Segmentations</a:t>
+            </a:r>
+          </a:p>
+          <a:p>
+            <a:pPr algn="ctr"/>
+            <a:r>
+              <a:rPr lang="en-CA" dirty="0"/>
+              <a:t>Window size: (120,120,120)</a:t>
+            </a:r>
+          </a:p>
+          <a:p>
+            <a:pPr algn="ctr"/>
+            <a:r>
+              <a:rPr lang="en-CA" dirty="0"/>
+              <a:t>Labels:[0,1,2,3…]</a:t>
+            </a:r>
+          </a:p>
+        </p:txBody>
+      </p:sp>
+      <p:sp>
+        <p:nvSpPr>
+          <p:cNvPr id="118" name="Rectangle: Single Corner Snipped 117">
+            <a:extLst>
+              <a:ext uri="{FF2B5EF4-FFF2-40B4-BE49-F238E27FC236}">
+                <a16:creationId xmlns:a16="http://schemas.microsoft.com/office/drawing/2014/main" id="{AD5494B7-CD23-4D91-BBDB-0891ACA6E625}"/>
+              </a:ext>
+            </a:extLst>
+          </p:cNvPr>
+          <p:cNvSpPr/>
+          <p:nvPr/>
+        </p:nvSpPr>
+        <p:spPr>
+          <a:xfrm>
+            <a:off x="9448531" y="23027730"/>
+            <a:ext cx="2971800" cy="1037386"/>
+          </a:xfrm>
+          <a:prstGeom prst="snip1Rect">
+            <a:avLst/>
+          </a:prstGeom>
+        </p:spPr>
+        <p:style>
+          <a:lnRef idx="2">
+            <a:schemeClr val="accent6">
+              <a:shade val="50000"/>
+            </a:schemeClr>
+          </a:lnRef>
+          <a:fillRef idx="1">
+            <a:schemeClr val="accent6"/>
+          </a:fillRef>
+          <a:effectRef idx="0">
+            <a:schemeClr val="accent6"/>
+          </a:effectRef>
+          <a:fontRef idx="minor">
+            <a:schemeClr val="lt1"/>
+          </a:fontRef>
+        </p:style>
+        <p:txBody>
+          <a:bodyPr rtlCol="0" anchor="ctr"/>
+          <a:lstStyle/>
+          <a:p>
+            <a:pPr algn="ctr"/>
+            <a:r>
+              <a:rPr lang="en-CA" i="1" dirty="0" err="1"/>
+              <a:t>ExtractAndScaleWindow</a:t>
+            </a:r>
+            <a:endParaRPr lang="en-CA" i="1" dirty="0"/>
+          </a:p>
+          <a:p>
+            <a:pPr algn="ctr"/>
+            <a:r>
+              <a:rPr lang="en-CA" dirty="0"/>
+              <a:t>Extract window </a:t>
+            </a:r>
+            <a:r>
+              <a:rPr lang="en-CA" b="1" u="sng" dirty="0"/>
+              <a:t>W</a:t>
+            </a:r>
+            <a:r>
+              <a:rPr lang="en-CA" dirty="0"/>
+              <a:t> and scale it using </a:t>
+            </a:r>
+            <a:r>
+              <a:rPr lang="en-CA" b="1" u="sng" dirty="0"/>
+              <a:t>S</a:t>
+            </a:r>
+          </a:p>
+        </p:txBody>
+      </p:sp>
+      <p:sp>
+        <p:nvSpPr>
+          <p:cNvPr id="120" name="Rectangle: Rounded Corners 119">
+            <a:extLst>
+              <a:ext uri="{FF2B5EF4-FFF2-40B4-BE49-F238E27FC236}">
+                <a16:creationId xmlns:a16="http://schemas.microsoft.com/office/drawing/2014/main" id="{108F6EAF-B5D8-4A50-A843-7B807E3E76FE}"/>
+              </a:ext>
+            </a:extLst>
+          </p:cNvPr>
+          <p:cNvSpPr/>
+          <p:nvPr/>
+        </p:nvSpPr>
+        <p:spPr>
+          <a:xfrm>
+            <a:off x="9484837" y="24456718"/>
+            <a:ext cx="2971800" cy="1143000"/>
+          </a:xfrm>
+          <a:prstGeom prst="roundRect">
+            <a:avLst/>
+          </a:prstGeom>
+        </p:spPr>
+        <p:style>
+          <a:lnRef idx="2">
+            <a:schemeClr val="accent1">
+              <a:shade val="50000"/>
+            </a:schemeClr>
+          </a:lnRef>
+          <a:fillRef idx="1">
+            <a:schemeClr val="accent1"/>
+          </a:fillRef>
+          <a:effectRef idx="0">
+            <a:schemeClr val="accent1"/>
+          </a:effectRef>
+          <a:fontRef idx="minor">
+            <a:schemeClr val="lt1"/>
+          </a:fontRef>
+        </p:style>
+        <p:txBody>
+          <a:bodyPr rtlCol="0" anchor="ctr"/>
+          <a:lstStyle/>
+          <a:p>
+            <a:pPr algn="ctr"/>
+            <a:r>
+              <a:rPr lang="en-CA" dirty="0"/>
+              <a:t>Volumes</a:t>
+            </a:r>
+          </a:p>
+          <a:p>
+            <a:pPr algn="ctr"/>
+            <a:r>
+              <a:rPr lang="en-CA" dirty="0"/>
+              <a:t>Window size: (120,120,120)</a:t>
+            </a:r>
+          </a:p>
+        </p:txBody>
+      </p:sp>
+      <p:cxnSp>
+        <p:nvCxnSpPr>
+          <p:cNvPr id="34" name="Connector: Elbow 33">
+            <a:extLst>
+              <a:ext uri="{FF2B5EF4-FFF2-40B4-BE49-F238E27FC236}">
+                <a16:creationId xmlns:a16="http://schemas.microsoft.com/office/drawing/2014/main" id="{3F5B49A2-C6C3-427F-A980-6E0C37F70914}"/>
+              </a:ext>
+            </a:extLst>
+          </p:cNvPr>
+          <p:cNvCxnSpPr>
+            <a:stCxn id="27" idx="0"/>
+            <a:endCxn id="28" idx="2"/>
+          </p:cNvCxnSpPr>
+          <p:nvPr/>
+        </p:nvCxnSpPr>
+        <p:spPr>
+          <a:xfrm flipV="1">
+            <a:off x="8617615" y="17409318"/>
+            <a:ext cx="1178235" cy="31160"/>
+          </a:xfrm>
+          <a:prstGeom prst="bentConnector3">
+            <a:avLst/>
+          </a:prstGeom>
+          <a:ln>
+            <a:tailEnd type="triangle"/>
+          </a:ln>
+        </p:spPr>
+        <p:style>
+          <a:lnRef idx="1">
+            <a:schemeClr val="accent1"/>
+          </a:lnRef>
+          <a:fillRef idx="0">
+            <a:schemeClr val="accent1"/>
+          </a:fillRef>
+          <a:effectRef idx="0">
+            <a:schemeClr val="accent1"/>
+          </a:effectRef>
+          <a:fontRef idx="minor">
+            <a:schemeClr val="tx1"/>
+          </a:fontRef>
+        </p:style>
+      </p:cxnSp>
+      <p:cxnSp>
+        <p:nvCxnSpPr>
+          <p:cNvPr id="41" name="Connector: Elbow 40">
+            <a:extLst>
+              <a:ext uri="{FF2B5EF4-FFF2-40B4-BE49-F238E27FC236}">
+                <a16:creationId xmlns:a16="http://schemas.microsoft.com/office/drawing/2014/main" id="{0BB19A41-4442-487F-B4C3-511B0DB9CE97}"/>
+              </a:ext>
+            </a:extLst>
+          </p:cNvPr>
+          <p:cNvCxnSpPr>
+            <a:stCxn id="83" idx="0"/>
+          </p:cNvCxnSpPr>
+          <p:nvPr/>
+        </p:nvCxnSpPr>
+        <p:spPr>
+          <a:xfrm flipV="1">
+            <a:off x="8617615" y="19104030"/>
+            <a:ext cx="1198744" cy="179888"/>
+          </a:xfrm>
+          <a:prstGeom prst="bentConnector3">
+            <a:avLst/>
+          </a:prstGeom>
+          <a:ln>
+            <a:tailEnd type="triangle"/>
+          </a:ln>
+        </p:spPr>
+        <p:style>
+          <a:lnRef idx="1">
+            <a:schemeClr val="accent1"/>
+          </a:lnRef>
+          <a:fillRef idx="0">
+            <a:schemeClr val="accent1"/>
+          </a:fillRef>
+          <a:effectRef idx="0">
+            <a:schemeClr val="accent1"/>
+          </a:effectRef>
+          <a:fontRef idx="minor">
+            <a:schemeClr val="tx1"/>
+          </a:fontRef>
+        </p:style>
+      </p:cxnSp>
+      <p:cxnSp>
+        <p:nvCxnSpPr>
+          <p:cNvPr id="43" name="Connector: Elbow 42">
+            <a:extLst>
+              <a:ext uri="{FF2B5EF4-FFF2-40B4-BE49-F238E27FC236}">
+                <a16:creationId xmlns:a16="http://schemas.microsoft.com/office/drawing/2014/main" id="{26D07285-2874-4E75-8A18-EE80AC73C1BE}"/>
+              </a:ext>
+            </a:extLst>
+          </p:cNvPr>
+          <p:cNvCxnSpPr>
+            <a:stCxn id="25" idx="3"/>
+            <a:endCxn id="89" idx="2"/>
+          </p:cNvCxnSpPr>
+          <p:nvPr/>
+        </p:nvCxnSpPr>
+        <p:spPr>
+          <a:xfrm>
+            <a:off x="12420331" y="15870193"/>
+            <a:ext cx="688094" cy="52807"/>
+          </a:xfrm>
+          <a:prstGeom prst="bentConnector3">
+            <a:avLst/>
+          </a:prstGeom>
+          <a:ln>
+            <a:tailEnd type="triangle"/>
+          </a:ln>
+        </p:spPr>
+        <p:style>
+          <a:lnRef idx="1">
+            <a:schemeClr val="accent1"/>
+          </a:lnRef>
+          <a:fillRef idx="0">
+            <a:schemeClr val="accent1"/>
+          </a:fillRef>
+          <a:effectRef idx="0">
+            <a:schemeClr val="accent1"/>
+          </a:effectRef>
+          <a:fontRef idx="minor">
+            <a:schemeClr val="tx1"/>
+          </a:fontRef>
+        </p:style>
+      </p:cxnSp>
+      <p:cxnSp>
+        <p:nvCxnSpPr>
+          <p:cNvPr id="46" name="Connector: Elbow 45">
+            <a:extLst>
+              <a:ext uri="{FF2B5EF4-FFF2-40B4-BE49-F238E27FC236}">
+                <a16:creationId xmlns:a16="http://schemas.microsoft.com/office/drawing/2014/main" id="{04032CAE-F52F-4FC2-869E-14354121435B}"/>
+              </a:ext>
+            </a:extLst>
+          </p:cNvPr>
+          <p:cNvCxnSpPr>
+            <a:stCxn id="89" idx="1"/>
+          </p:cNvCxnSpPr>
+          <p:nvPr/>
+        </p:nvCxnSpPr>
+        <p:spPr>
+          <a:xfrm rot="5400000">
+            <a:off x="14306567" y="16729451"/>
+            <a:ext cx="575516" cy="12700"/>
+          </a:xfrm>
+          <a:prstGeom prst="bentConnector3">
+            <a:avLst/>
+          </a:prstGeom>
+          <a:ln>
+            <a:tailEnd type="triangle"/>
+          </a:ln>
+        </p:spPr>
+        <p:style>
+          <a:lnRef idx="1">
+            <a:schemeClr val="accent1"/>
+          </a:lnRef>
+          <a:fillRef idx="0">
+            <a:schemeClr val="accent1"/>
+          </a:fillRef>
+          <a:effectRef idx="0">
+            <a:schemeClr val="accent1"/>
+          </a:effectRef>
+          <a:fontRef idx="minor">
+            <a:schemeClr val="tx1"/>
+          </a:fontRef>
+        </p:style>
+      </p:cxnSp>
+      <p:cxnSp>
+        <p:nvCxnSpPr>
+          <p:cNvPr id="49" name="Connector: Elbow 48">
+            <a:extLst>
+              <a:ext uri="{FF2B5EF4-FFF2-40B4-BE49-F238E27FC236}">
+                <a16:creationId xmlns:a16="http://schemas.microsoft.com/office/drawing/2014/main" id="{8B588F73-B877-432E-B439-FF1BD36FA4D0}"/>
+              </a:ext>
+            </a:extLst>
+          </p:cNvPr>
+          <p:cNvCxnSpPr>
+            <a:stCxn id="31" idx="2"/>
+            <a:endCxn id="32" idx="3"/>
+          </p:cNvCxnSpPr>
+          <p:nvPr/>
+        </p:nvCxnSpPr>
+        <p:spPr>
+          <a:xfrm rot="16200000" flipH="1">
+            <a:off x="14458123" y="18159982"/>
+            <a:ext cx="304225" cy="31820"/>
+          </a:xfrm>
+          <a:prstGeom prst="bentConnector3">
+            <a:avLst/>
+          </a:prstGeom>
+          <a:ln>
+            <a:tailEnd type="triangle"/>
+          </a:ln>
+        </p:spPr>
+        <p:style>
+          <a:lnRef idx="1">
+            <a:schemeClr val="accent1"/>
+          </a:lnRef>
+          <a:fillRef idx="0">
+            <a:schemeClr val="accent1"/>
+          </a:fillRef>
+          <a:effectRef idx="0">
+            <a:schemeClr val="accent1"/>
+          </a:effectRef>
+          <a:fontRef idx="minor">
+            <a:schemeClr val="tx1"/>
+          </a:fontRef>
+        </p:style>
+      </p:cxnSp>
+      <p:cxnSp>
+        <p:nvCxnSpPr>
+          <p:cNvPr id="53" name="Connector: Elbow 52">
+            <a:extLst>
+              <a:ext uri="{FF2B5EF4-FFF2-40B4-BE49-F238E27FC236}">
+                <a16:creationId xmlns:a16="http://schemas.microsoft.com/office/drawing/2014/main" id="{D01B684E-FE32-4C3A-8DAB-712965438662}"/>
+              </a:ext>
+            </a:extLst>
+          </p:cNvPr>
+          <p:cNvCxnSpPr>
+            <a:stCxn id="32" idx="1"/>
+            <a:endCxn id="90" idx="0"/>
+          </p:cNvCxnSpPr>
+          <p:nvPr/>
+        </p:nvCxnSpPr>
+        <p:spPr>
+          <a:xfrm rot="5400000">
+            <a:off x="14517258" y="19960493"/>
+            <a:ext cx="217774" cy="12700"/>
+          </a:xfrm>
+          <a:prstGeom prst="bentConnector3">
+            <a:avLst/>
+          </a:prstGeom>
+          <a:ln>
+            <a:tailEnd type="triangle"/>
+          </a:ln>
+        </p:spPr>
+        <p:style>
+          <a:lnRef idx="1">
+            <a:schemeClr val="accent1"/>
+          </a:lnRef>
+          <a:fillRef idx="0">
+            <a:schemeClr val="accent1"/>
+          </a:fillRef>
+          <a:effectRef idx="0">
+            <a:schemeClr val="accent1"/>
+          </a:effectRef>
+          <a:fontRef idx="minor">
+            <a:schemeClr val="tx1"/>
+          </a:fontRef>
+        </p:style>
+      </p:cxnSp>
+      <p:cxnSp>
+        <p:nvCxnSpPr>
+          <p:cNvPr id="57" name="Connector: Elbow 56">
+            <a:extLst>
+              <a:ext uri="{FF2B5EF4-FFF2-40B4-BE49-F238E27FC236}">
+                <a16:creationId xmlns:a16="http://schemas.microsoft.com/office/drawing/2014/main" id="{B2C42446-DA74-4198-AF4E-245BFE6631A8}"/>
+              </a:ext>
+            </a:extLst>
+          </p:cNvPr>
+          <p:cNvCxnSpPr>
+            <a:stCxn id="31" idx="1"/>
+            <a:endCxn id="94" idx="2"/>
+          </p:cNvCxnSpPr>
+          <p:nvPr/>
+        </p:nvCxnSpPr>
+        <p:spPr>
+          <a:xfrm rot="10800000" flipV="1">
+            <a:off x="13108425" y="17452280"/>
+            <a:ext cx="256295" cy="5014876"/>
+          </a:xfrm>
+          <a:prstGeom prst="bentConnector3">
+            <a:avLst>
+              <a:gd name="adj1" fmla="val 189194"/>
+            </a:avLst>
+          </a:prstGeom>
+          <a:ln>
+            <a:tailEnd type="triangle"/>
+          </a:ln>
+        </p:spPr>
+        <p:style>
+          <a:lnRef idx="1">
+            <a:schemeClr val="accent1"/>
+          </a:lnRef>
+          <a:fillRef idx="0">
+            <a:schemeClr val="accent1"/>
+          </a:fillRef>
+          <a:effectRef idx="0">
+            <a:schemeClr val="accent1"/>
+          </a:effectRef>
+          <a:fontRef idx="minor">
+            <a:schemeClr val="tx1"/>
+          </a:fontRef>
+        </p:style>
+      </p:cxnSp>
+      <p:cxnSp>
+        <p:nvCxnSpPr>
+          <p:cNvPr id="67" name="Connector: Elbow 66">
+            <a:extLst>
+              <a:ext uri="{FF2B5EF4-FFF2-40B4-BE49-F238E27FC236}">
+                <a16:creationId xmlns:a16="http://schemas.microsoft.com/office/drawing/2014/main" id="{BA40FEBD-983D-4900-B6D4-D429FC2EF984}"/>
+              </a:ext>
+            </a:extLst>
+          </p:cNvPr>
+          <p:cNvCxnSpPr>
+            <a:stCxn id="90" idx="4"/>
+            <a:endCxn id="94" idx="3"/>
+          </p:cNvCxnSpPr>
+          <p:nvPr/>
+        </p:nvCxnSpPr>
+        <p:spPr>
+          <a:xfrm rot="16200000" flipH="1">
+            <a:off x="14544378" y="21294146"/>
+            <a:ext cx="300880" cy="137347"/>
+          </a:xfrm>
+          <a:prstGeom prst="bentConnector3">
+            <a:avLst/>
+          </a:prstGeom>
+          <a:ln>
+            <a:tailEnd type="triangle"/>
+          </a:ln>
+        </p:spPr>
+        <p:style>
+          <a:lnRef idx="1">
+            <a:schemeClr val="accent1"/>
+          </a:lnRef>
+          <a:fillRef idx="0">
+            <a:schemeClr val="accent1"/>
+          </a:fillRef>
+          <a:effectRef idx="0">
+            <a:schemeClr val="accent1"/>
+          </a:effectRef>
+          <a:fontRef idx="minor">
+            <a:schemeClr val="tx1"/>
+          </a:fontRef>
+        </p:style>
+      </p:cxnSp>
+      <p:cxnSp>
+        <p:nvCxnSpPr>
+          <p:cNvPr id="71" name="Connector: Elbow 70">
+            <a:extLst>
+              <a:ext uri="{FF2B5EF4-FFF2-40B4-BE49-F238E27FC236}">
+                <a16:creationId xmlns:a16="http://schemas.microsoft.com/office/drawing/2014/main" id="{43242E8E-2DC1-48EC-8D5B-95EF3EB1329D}"/>
+              </a:ext>
+            </a:extLst>
+          </p:cNvPr>
+          <p:cNvCxnSpPr>
+            <a:endCxn id="96" idx="0"/>
+          </p:cNvCxnSpPr>
+          <p:nvPr/>
+        </p:nvCxnSpPr>
+        <p:spPr>
+          <a:xfrm rot="16200000" flipH="1">
+            <a:off x="14560637" y="23416978"/>
+            <a:ext cx="442479" cy="174116"/>
+          </a:xfrm>
+          <a:prstGeom prst="bentConnector3">
+            <a:avLst/>
+          </a:prstGeom>
+          <a:ln>
+            <a:tailEnd type="triangle"/>
+          </a:ln>
+        </p:spPr>
+        <p:style>
+          <a:lnRef idx="1">
+            <a:schemeClr val="accent1"/>
+          </a:lnRef>
+          <a:fillRef idx="0">
+            <a:schemeClr val="accent1"/>
+          </a:fillRef>
+          <a:effectRef idx="0">
+            <a:schemeClr val="accent1"/>
+          </a:effectRef>
+          <a:fontRef idx="minor">
+            <a:schemeClr val="tx1"/>
+          </a:fontRef>
+        </p:style>
+      </p:cxnSp>
+      <p:cxnSp>
+        <p:nvCxnSpPr>
+          <p:cNvPr id="77" name="Connector: Elbow 76">
+            <a:extLst>
+              <a:ext uri="{FF2B5EF4-FFF2-40B4-BE49-F238E27FC236}">
+                <a16:creationId xmlns:a16="http://schemas.microsoft.com/office/drawing/2014/main" id="{639A85D7-D491-46EE-84F1-9EA94663F31E}"/>
+              </a:ext>
+            </a:extLst>
+          </p:cNvPr>
+          <p:cNvCxnSpPr>
+            <a:stCxn id="96" idx="2"/>
+            <a:endCxn id="101" idx="3"/>
+          </p:cNvCxnSpPr>
+          <p:nvPr/>
+        </p:nvCxnSpPr>
+        <p:spPr>
+          <a:xfrm rot="10800000">
+            <a:off x="10970737" y="20323428"/>
+            <a:ext cx="2487472" cy="3973348"/>
+          </a:xfrm>
+          <a:prstGeom prst="bentConnector4">
+            <a:avLst>
+              <a:gd name="adj1" fmla="val 31765"/>
+              <a:gd name="adj2" fmla="val 105753"/>
+            </a:avLst>
+          </a:prstGeom>
+          <a:ln>
+            <a:tailEnd type="triangle"/>
+          </a:ln>
+        </p:spPr>
+        <p:style>
+          <a:lnRef idx="1">
+            <a:schemeClr val="accent1"/>
+          </a:lnRef>
+          <a:fillRef idx="0">
+            <a:schemeClr val="accent1"/>
+          </a:fillRef>
+          <a:effectRef idx="0">
+            <a:schemeClr val="accent1"/>
+          </a:effectRef>
+          <a:fontRef idx="minor">
+            <a:schemeClr val="tx1"/>
+          </a:fontRef>
+        </p:style>
+      </p:cxnSp>
+      <p:cxnSp>
+        <p:nvCxnSpPr>
+          <p:cNvPr id="122" name="Connector: Elbow 121">
+            <a:extLst>
+              <a:ext uri="{FF2B5EF4-FFF2-40B4-BE49-F238E27FC236}">
+                <a16:creationId xmlns:a16="http://schemas.microsoft.com/office/drawing/2014/main" id="{4F41B339-CC33-4079-9BFD-A164E3A0B44A}"/>
+              </a:ext>
+            </a:extLst>
+          </p:cNvPr>
+          <p:cNvCxnSpPr>
+            <a:endCxn id="97" idx="0"/>
+          </p:cNvCxnSpPr>
+          <p:nvPr/>
+        </p:nvCxnSpPr>
+        <p:spPr>
+          <a:xfrm rot="10800000" flipV="1">
+            <a:off x="8617615" y="20075730"/>
+            <a:ext cx="2887620" cy="750580"/>
+          </a:xfrm>
+          <a:prstGeom prst="bentConnector3">
+            <a:avLst>
+              <a:gd name="adj1" fmla="val 82067"/>
+            </a:avLst>
+          </a:prstGeom>
+          <a:ln>
+            <a:tailEnd type="triangle"/>
+          </a:ln>
+        </p:spPr>
+        <p:style>
+          <a:lnRef idx="1">
+            <a:schemeClr val="accent1"/>
+          </a:lnRef>
+          <a:fillRef idx="0">
+            <a:schemeClr val="accent1"/>
+          </a:fillRef>
+          <a:effectRef idx="0">
+            <a:schemeClr val="accent1"/>
+          </a:effectRef>
+          <a:fontRef idx="minor">
+            <a:schemeClr val="tx1"/>
+          </a:fontRef>
+        </p:style>
+      </p:cxnSp>
+      <p:cxnSp>
+        <p:nvCxnSpPr>
+          <p:cNvPr id="132" name="Connector: Elbow 131">
+            <a:extLst>
+              <a:ext uri="{FF2B5EF4-FFF2-40B4-BE49-F238E27FC236}">
+                <a16:creationId xmlns:a16="http://schemas.microsoft.com/office/drawing/2014/main" id="{F19BD654-CE7A-44E5-9AC3-B01DE885E7B7}"/>
+              </a:ext>
+            </a:extLst>
+          </p:cNvPr>
+          <p:cNvCxnSpPr>
+            <a:stCxn id="28" idx="3"/>
+            <a:endCxn id="83" idx="3"/>
+          </p:cNvCxnSpPr>
+          <p:nvPr/>
+        </p:nvCxnSpPr>
+        <p:spPr>
+          <a:xfrm rot="5400000">
+            <a:off x="8132177" y="16812969"/>
+            <a:ext cx="951795" cy="2952717"/>
+          </a:xfrm>
+          <a:prstGeom prst="bentConnector3">
+            <a:avLst/>
+          </a:prstGeom>
+          <a:ln>
+            <a:tailEnd type="triangle"/>
+          </a:ln>
+        </p:spPr>
+        <p:style>
+          <a:lnRef idx="1">
+            <a:schemeClr val="accent1"/>
+          </a:lnRef>
+          <a:fillRef idx="0">
+            <a:schemeClr val="accent1"/>
+          </a:fillRef>
+          <a:effectRef idx="0">
+            <a:schemeClr val="accent1"/>
+          </a:effectRef>
+          <a:fontRef idx="minor">
+            <a:schemeClr val="tx1"/>
+          </a:fontRef>
+        </p:style>
+      </p:cxnSp>
+      <p:cxnSp>
+        <p:nvCxnSpPr>
+          <p:cNvPr id="135" name="Connector: Elbow 134">
+            <a:extLst>
+              <a:ext uri="{FF2B5EF4-FFF2-40B4-BE49-F238E27FC236}">
+                <a16:creationId xmlns:a16="http://schemas.microsoft.com/office/drawing/2014/main" id="{50152CAC-8AC0-45FB-9336-4CB7A3D1372B}"/>
+              </a:ext>
+            </a:extLst>
+          </p:cNvPr>
+          <p:cNvCxnSpPr>
+            <a:stCxn id="25" idx="2"/>
+            <a:endCxn id="101" idx="0"/>
+          </p:cNvCxnSpPr>
+          <p:nvPr/>
+        </p:nvCxnSpPr>
+        <p:spPr>
+          <a:xfrm rot="16200000" flipH="1">
+            <a:off x="9623467" y="18008951"/>
+            <a:ext cx="4400428" cy="1265912"/>
+          </a:xfrm>
+          <a:prstGeom prst="bentConnector4">
+            <a:avLst>
+              <a:gd name="adj1" fmla="val 5440"/>
+              <a:gd name="adj2" fmla="val 108915"/>
+            </a:avLst>
+          </a:prstGeom>
+          <a:ln>
+            <a:tailEnd type="triangle"/>
+          </a:ln>
+        </p:spPr>
+        <p:style>
+          <a:lnRef idx="1">
+            <a:schemeClr val="accent1"/>
+          </a:lnRef>
+          <a:fillRef idx="0">
+            <a:schemeClr val="accent1"/>
+          </a:fillRef>
+          <a:effectRef idx="0">
+            <a:schemeClr val="accent1"/>
+          </a:effectRef>
+          <a:fontRef idx="minor">
+            <a:schemeClr val="tx1"/>
+          </a:fontRef>
+        </p:style>
+      </p:cxnSp>
+      <p:cxnSp>
+        <p:nvCxnSpPr>
+          <p:cNvPr id="140" name="Connector: Elbow 139">
+            <a:extLst>
+              <a:ext uri="{FF2B5EF4-FFF2-40B4-BE49-F238E27FC236}">
+                <a16:creationId xmlns:a16="http://schemas.microsoft.com/office/drawing/2014/main" id="{D66B803F-7A96-4877-8DE8-F4AA2335E05E}"/>
+              </a:ext>
+            </a:extLst>
+          </p:cNvPr>
+          <p:cNvCxnSpPr>
+            <a:stCxn id="26" idx="1"/>
+            <a:endCxn id="97" idx="2"/>
+          </p:cNvCxnSpPr>
+          <p:nvPr/>
+        </p:nvCxnSpPr>
+        <p:spPr>
+          <a:xfrm rot="10800000" flipV="1">
+            <a:off x="5645815" y="15870192"/>
+            <a:ext cx="12700" cy="4956117"/>
+          </a:xfrm>
+          <a:prstGeom prst="bentConnector3">
+            <a:avLst>
+              <a:gd name="adj1" fmla="val 1800000"/>
+            </a:avLst>
+          </a:prstGeom>
+          <a:ln>
+            <a:tailEnd type="triangle"/>
+          </a:ln>
+        </p:spPr>
+        <p:style>
+          <a:lnRef idx="1">
+            <a:schemeClr val="accent1"/>
+          </a:lnRef>
+          <a:fillRef idx="0">
+            <a:schemeClr val="accent1"/>
+          </a:fillRef>
+          <a:effectRef idx="0">
+            <a:schemeClr val="accent1"/>
+          </a:effectRef>
+          <a:fontRef idx="minor">
+            <a:schemeClr val="tx1"/>
+          </a:fontRef>
+        </p:style>
+      </p:cxnSp>
+      <p:cxnSp>
+        <p:nvCxnSpPr>
+          <p:cNvPr id="142" name="Connector: Elbow 141">
+            <a:extLst>
+              <a:ext uri="{FF2B5EF4-FFF2-40B4-BE49-F238E27FC236}">
+                <a16:creationId xmlns:a16="http://schemas.microsoft.com/office/drawing/2014/main" id="{5192CD32-FAEF-401A-A223-6F6E7D496B18}"/>
+              </a:ext>
+            </a:extLst>
+          </p:cNvPr>
+          <p:cNvCxnSpPr>
+            <a:stCxn id="97" idx="1"/>
+            <a:endCxn id="103" idx="0"/>
+          </p:cNvCxnSpPr>
+          <p:nvPr/>
+        </p:nvCxnSpPr>
+        <p:spPr>
+          <a:xfrm rot="16200000" flipH="1">
+            <a:off x="7004419" y="21472298"/>
+            <a:ext cx="264833" cy="10241"/>
+          </a:xfrm>
+          <a:prstGeom prst="bentConnector3">
+            <a:avLst/>
+          </a:prstGeom>
+          <a:ln>
+            <a:tailEnd type="triangle"/>
+          </a:ln>
+        </p:spPr>
+        <p:style>
+          <a:lnRef idx="1">
+            <a:schemeClr val="accent1"/>
+          </a:lnRef>
+          <a:fillRef idx="0">
+            <a:schemeClr val="accent1"/>
+          </a:fillRef>
+          <a:effectRef idx="0">
+            <a:schemeClr val="accent1"/>
+          </a:effectRef>
+          <a:fontRef idx="minor">
+            <a:schemeClr val="tx1"/>
+          </a:fontRef>
+        </p:style>
+      </p:cxnSp>
+      <p:cxnSp>
+        <p:nvCxnSpPr>
+          <p:cNvPr id="144" name="Connector: Elbow 143">
+            <a:extLst>
+              <a:ext uri="{FF2B5EF4-FFF2-40B4-BE49-F238E27FC236}">
+                <a16:creationId xmlns:a16="http://schemas.microsoft.com/office/drawing/2014/main" id="{44975760-E209-404A-8FAA-DA40BB90582A}"/>
+              </a:ext>
+            </a:extLst>
+          </p:cNvPr>
+          <p:cNvCxnSpPr>
+            <a:stCxn id="101" idx="1"/>
+            <a:endCxn id="91" idx="0"/>
+          </p:cNvCxnSpPr>
+          <p:nvPr/>
+        </p:nvCxnSpPr>
+        <p:spPr>
+          <a:xfrm rot="5400000">
+            <a:off x="10838320" y="21493231"/>
+            <a:ext cx="264834" cy="12700"/>
+          </a:xfrm>
+          <a:prstGeom prst="bentConnector3">
+            <a:avLst/>
+          </a:prstGeom>
+          <a:ln>
+            <a:tailEnd type="triangle"/>
+          </a:ln>
+        </p:spPr>
+        <p:style>
+          <a:lnRef idx="1">
+            <a:schemeClr val="accent1"/>
+          </a:lnRef>
+          <a:fillRef idx="0">
+            <a:schemeClr val="accent1"/>
+          </a:fillRef>
+          <a:effectRef idx="0">
+            <a:schemeClr val="accent1"/>
+          </a:effectRef>
+          <a:fontRef idx="minor">
+            <a:schemeClr val="tx1"/>
+          </a:fontRef>
+        </p:style>
+      </p:cxnSp>
+      <p:cxnSp>
+        <p:nvCxnSpPr>
+          <p:cNvPr id="146" name="Connector: Elbow 145">
+            <a:extLst>
+              <a:ext uri="{FF2B5EF4-FFF2-40B4-BE49-F238E27FC236}">
+                <a16:creationId xmlns:a16="http://schemas.microsoft.com/office/drawing/2014/main" id="{27CF3699-F73D-44A3-88B3-BD4CE0030F58}"/>
+              </a:ext>
+            </a:extLst>
+          </p:cNvPr>
+          <p:cNvCxnSpPr>
+            <a:stCxn id="103" idx="2"/>
+            <a:endCxn id="104" idx="3"/>
+          </p:cNvCxnSpPr>
+          <p:nvPr/>
+        </p:nvCxnSpPr>
+        <p:spPr>
+          <a:xfrm rot="5400000">
+            <a:off x="6943800" y="22950992"/>
+            <a:ext cx="396313" cy="12700"/>
+          </a:xfrm>
+          <a:prstGeom prst="bentConnector3">
+            <a:avLst/>
+          </a:prstGeom>
+          <a:ln>
+            <a:tailEnd type="triangle"/>
+          </a:ln>
+        </p:spPr>
+        <p:style>
+          <a:lnRef idx="1">
+            <a:schemeClr val="accent1"/>
+          </a:lnRef>
+          <a:fillRef idx="0">
+            <a:schemeClr val="accent1"/>
+          </a:fillRef>
+          <a:effectRef idx="0">
+            <a:schemeClr val="accent1"/>
+          </a:effectRef>
+          <a:fontRef idx="minor">
+            <a:schemeClr val="tx1"/>
+          </a:fontRef>
+        </p:style>
+      </p:cxnSp>
+      <p:cxnSp>
+        <p:nvCxnSpPr>
+          <p:cNvPr id="148" name="Connector: Elbow 147">
+            <a:extLst>
+              <a:ext uri="{FF2B5EF4-FFF2-40B4-BE49-F238E27FC236}">
+                <a16:creationId xmlns:a16="http://schemas.microsoft.com/office/drawing/2014/main" id="{3C783B2F-202B-4898-9C5C-8E5D44F3C169}"/>
+              </a:ext>
+            </a:extLst>
+          </p:cNvPr>
+          <p:cNvCxnSpPr>
+            <a:stCxn id="91" idx="2"/>
+            <a:endCxn id="118" idx="3"/>
+          </p:cNvCxnSpPr>
+          <p:nvPr/>
+        </p:nvCxnSpPr>
+        <p:spPr>
+          <a:xfrm rot="5400000">
+            <a:off x="10823043" y="22880036"/>
+            <a:ext cx="259082" cy="36306"/>
+          </a:xfrm>
+          <a:prstGeom prst="bentConnector3">
+            <a:avLst/>
+          </a:prstGeom>
+          <a:ln>
+            <a:tailEnd type="triangle"/>
+          </a:ln>
+        </p:spPr>
+        <p:style>
+          <a:lnRef idx="1">
+            <a:schemeClr val="accent1"/>
+          </a:lnRef>
+          <a:fillRef idx="0">
+            <a:schemeClr val="accent1"/>
+          </a:fillRef>
+          <a:effectRef idx="0">
+            <a:schemeClr val="accent1"/>
+          </a:effectRef>
+          <a:fontRef idx="minor">
+            <a:schemeClr val="tx1"/>
+          </a:fontRef>
+        </p:style>
+      </p:cxnSp>
+      <p:cxnSp>
+        <p:nvCxnSpPr>
+          <p:cNvPr id="150" name="Connector: Elbow 149">
+            <a:extLst>
+              <a:ext uri="{FF2B5EF4-FFF2-40B4-BE49-F238E27FC236}">
+                <a16:creationId xmlns:a16="http://schemas.microsoft.com/office/drawing/2014/main" id="{C0B8BBBA-667F-4CB5-A6CC-95A560F763E0}"/>
+              </a:ext>
+            </a:extLst>
+          </p:cNvPr>
+          <p:cNvCxnSpPr>
+            <a:stCxn id="28" idx="4"/>
+            <a:endCxn id="118" idx="2"/>
+          </p:cNvCxnSpPr>
+          <p:nvPr/>
+        </p:nvCxnSpPr>
+        <p:spPr>
+          <a:xfrm rot="5400000">
+            <a:off x="7332029" y="20097320"/>
+            <a:ext cx="5565605" cy="1332600"/>
+          </a:xfrm>
+          <a:prstGeom prst="bentConnector4">
+            <a:avLst>
+              <a:gd name="adj1" fmla="val 9154"/>
+              <a:gd name="adj2" fmla="val 117154"/>
+            </a:avLst>
+          </a:prstGeom>
+          <a:ln>
+            <a:tailEnd type="triangle"/>
+          </a:ln>
+        </p:spPr>
+        <p:style>
+          <a:lnRef idx="1">
+            <a:schemeClr val="accent1"/>
+          </a:lnRef>
+          <a:fillRef idx="0">
+            <a:schemeClr val="accent1"/>
+          </a:fillRef>
+          <a:effectRef idx="0">
+            <a:schemeClr val="accent1"/>
+          </a:effectRef>
+          <a:fontRef idx="minor">
+            <a:schemeClr val="tx1"/>
+          </a:fontRef>
+        </p:style>
+      </p:cxnSp>
+      <p:cxnSp>
+        <p:nvCxnSpPr>
+          <p:cNvPr id="153" name="Connector: Elbow 152">
+            <a:extLst>
+              <a:ext uri="{FF2B5EF4-FFF2-40B4-BE49-F238E27FC236}">
+                <a16:creationId xmlns:a16="http://schemas.microsoft.com/office/drawing/2014/main" id="{630D8141-6FEC-411C-A90E-3C814D7037C0}"/>
+              </a:ext>
+            </a:extLst>
+          </p:cNvPr>
+          <p:cNvCxnSpPr>
+            <a:stCxn id="87" idx="4"/>
+          </p:cNvCxnSpPr>
+          <p:nvPr/>
+        </p:nvCxnSpPr>
+        <p:spPr>
+          <a:xfrm rot="5400000">
+            <a:off x="9966406" y="18926111"/>
+            <a:ext cx="65307" cy="1564144"/>
+          </a:xfrm>
+          <a:prstGeom prst="bentConnector2">
+            <a:avLst/>
+          </a:prstGeom>
+          <a:ln>
+            <a:tailEnd type="triangle"/>
+          </a:ln>
+        </p:spPr>
+        <p:style>
+          <a:lnRef idx="1">
+            <a:schemeClr val="accent1"/>
+          </a:lnRef>
+          <a:fillRef idx="0">
+            <a:schemeClr val="accent1"/>
+          </a:fillRef>
+          <a:effectRef idx="0">
+            <a:schemeClr val="accent1"/>
+          </a:effectRef>
+          <a:fontRef idx="minor">
+            <a:schemeClr val="tx1"/>
+          </a:fontRef>
+        </p:style>
+      </p:cxnSp>
+      <p:cxnSp>
+        <p:nvCxnSpPr>
+          <p:cNvPr id="155" name="Connector: Elbow 154">
+            <a:extLst>
+              <a:ext uri="{FF2B5EF4-FFF2-40B4-BE49-F238E27FC236}">
+                <a16:creationId xmlns:a16="http://schemas.microsoft.com/office/drawing/2014/main" id="{EBA7CE6F-B093-4435-9B1F-D6A37844AE74}"/>
+              </a:ext>
+            </a:extLst>
+          </p:cNvPr>
+          <p:cNvCxnSpPr>
+            <a:endCxn id="104" idx="0"/>
+          </p:cNvCxnSpPr>
+          <p:nvPr/>
+        </p:nvCxnSpPr>
+        <p:spPr>
+          <a:xfrm rot="10800000" flipV="1">
+            <a:off x="8627857" y="23546422"/>
+            <a:ext cx="589131" cy="121419"/>
+          </a:xfrm>
+          <a:prstGeom prst="bentConnector3">
+            <a:avLst/>
+          </a:prstGeom>
+          <a:ln>
+            <a:tailEnd type="triangle"/>
+          </a:ln>
+        </p:spPr>
+        <p:style>
+          <a:lnRef idx="1">
+            <a:schemeClr val="accent1"/>
+          </a:lnRef>
+          <a:fillRef idx="0">
+            <a:schemeClr val="accent1"/>
+          </a:fillRef>
+          <a:effectRef idx="0">
+            <a:schemeClr val="accent1"/>
+          </a:effectRef>
+          <a:fontRef idx="minor">
+            <a:schemeClr val="tx1"/>
+          </a:fontRef>
+        </p:style>
+      </p:cxnSp>
+      <p:cxnSp>
+        <p:nvCxnSpPr>
+          <p:cNvPr id="157" name="Connector: Elbow 156">
+            <a:extLst>
+              <a:ext uri="{FF2B5EF4-FFF2-40B4-BE49-F238E27FC236}">
+                <a16:creationId xmlns:a16="http://schemas.microsoft.com/office/drawing/2014/main" id="{3253A9B3-3542-4521-8B06-91174C2E9B85}"/>
+              </a:ext>
+            </a:extLst>
+          </p:cNvPr>
+          <p:cNvCxnSpPr>
+            <a:stCxn id="118" idx="1"/>
+            <a:endCxn id="120" idx="0"/>
+          </p:cNvCxnSpPr>
+          <p:nvPr/>
+        </p:nvCxnSpPr>
+        <p:spPr>
+          <a:xfrm rot="16200000" flipH="1">
+            <a:off x="10756783" y="24242764"/>
+            <a:ext cx="391602" cy="36306"/>
+          </a:xfrm>
+          <a:prstGeom prst="bentConnector3">
+            <a:avLst/>
+          </a:prstGeom>
+          <a:ln>
+            <a:tailEnd type="triangle"/>
+          </a:ln>
+        </p:spPr>
+        <p:style>
+          <a:lnRef idx="1">
+            <a:schemeClr val="accent1"/>
+          </a:lnRef>
+          <a:fillRef idx="0">
+            <a:schemeClr val="accent1"/>
+          </a:fillRef>
+          <a:effectRef idx="0">
+            <a:schemeClr val="accent1"/>
+          </a:effectRef>
+          <a:fontRef idx="minor">
+            <a:schemeClr val="tx1"/>
+          </a:fontRef>
+        </p:style>
+      </p:cxnSp>
+      <p:cxnSp>
+        <p:nvCxnSpPr>
+          <p:cNvPr id="159" name="Connector: Elbow 158">
+            <a:extLst>
+              <a:ext uri="{FF2B5EF4-FFF2-40B4-BE49-F238E27FC236}">
+                <a16:creationId xmlns:a16="http://schemas.microsoft.com/office/drawing/2014/main" id="{58106116-5407-4F95-9FD9-B55E8D594CC1}"/>
+              </a:ext>
+            </a:extLst>
+          </p:cNvPr>
+          <p:cNvCxnSpPr>
+            <a:stCxn id="104" idx="1"/>
+            <a:endCxn id="114" idx="0"/>
+          </p:cNvCxnSpPr>
+          <p:nvPr/>
+        </p:nvCxnSpPr>
+        <p:spPr>
+          <a:xfrm rot="5400000">
+            <a:off x="6963392" y="24328793"/>
+            <a:ext cx="320822" cy="36306"/>
+          </a:xfrm>
+          <a:prstGeom prst="bentConnector3">
+            <a:avLst/>
+          </a:prstGeom>
+          <a:ln>
+            <a:tailEnd type="triangle"/>
+          </a:ln>
+        </p:spPr>
+        <p:style>
+          <a:lnRef idx="1">
+            <a:schemeClr val="accent1"/>
+          </a:lnRef>
+          <a:fillRef idx="0">
+            <a:schemeClr val="accent1"/>
+          </a:fillRef>
+          <a:effectRef idx="0">
+            <a:schemeClr val="accent1"/>
+          </a:effectRef>
+          <a:fontRef idx="minor">
+            <a:schemeClr val="tx1"/>
+          </a:fontRef>
+        </p:style>
+      </p:cxnSp>
+      <p:cxnSp>
+        <p:nvCxnSpPr>
+          <p:cNvPr id="161" name="Connector: Elbow 160">
+            <a:extLst>
+              <a:ext uri="{FF2B5EF4-FFF2-40B4-BE49-F238E27FC236}">
+                <a16:creationId xmlns:a16="http://schemas.microsoft.com/office/drawing/2014/main" id="{71125BCD-7F67-4397-8F71-D3D6C3FD2F9F}"/>
+              </a:ext>
+            </a:extLst>
+          </p:cNvPr>
+          <p:cNvCxnSpPr>
+            <a:cxnSpLocks/>
+            <a:stCxn id="114" idx="2"/>
+            <a:endCxn id="35" idx="3"/>
+          </p:cNvCxnSpPr>
+          <p:nvPr/>
+        </p:nvCxnSpPr>
+        <p:spPr>
+          <a:xfrm rot="5400000">
+            <a:off x="6915561" y="25840446"/>
+            <a:ext cx="380178" cy="12700"/>
+          </a:xfrm>
+          <a:prstGeom prst="bentConnector3">
+            <a:avLst/>
+          </a:prstGeom>
+          <a:ln>
+            <a:tailEnd type="triangle"/>
+          </a:ln>
+        </p:spPr>
+        <p:style>
+          <a:lnRef idx="1">
+            <a:schemeClr val="accent1"/>
+          </a:lnRef>
+          <a:fillRef idx="0">
+            <a:schemeClr val="accent1"/>
+          </a:fillRef>
+          <a:effectRef idx="0">
+            <a:schemeClr val="accent1"/>
+          </a:effectRef>
+          <a:fontRef idx="minor">
+            <a:schemeClr val="tx1"/>
+          </a:fontRef>
+        </p:style>
+      </p:cxnSp>
+      <p:cxnSp>
+        <p:nvCxnSpPr>
+          <p:cNvPr id="163" name="Connector: Elbow 162">
+            <a:extLst>
+              <a:ext uri="{FF2B5EF4-FFF2-40B4-BE49-F238E27FC236}">
+                <a16:creationId xmlns:a16="http://schemas.microsoft.com/office/drawing/2014/main" id="{D562C93B-C333-41D8-B912-E425D38BC041}"/>
+              </a:ext>
+            </a:extLst>
+          </p:cNvPr>
+          <p:cNvCxnSpPr>
+            <a:cxnSpLocks/>
+            <a:stCxn id="35" idx="1"/>
+            <a:endCxn id="116" idx="0"/>
+          </p:cNvCxnSpPr>
+          <p:nvPr/>
+        </p:nvCxnSpPr>
+        <p:spPr>
+          <a:xfrm rot="16200000" flipH="1">
+            <a:off x="6818240" y="26721294"/>
+            <a:ext cx="611126" cy="36306"/>
           </a:xfrm>
           <a:prstGeom prst="bentConnector3">
             <a:avLst/>
